--- a/slides/DAY 02.pptx
+++ b/slides/DAY 02.pptx
@@ -5,16 +5,15 @@
     <p:sldMasterId id="2147483648" r:id="rId4"/>
   </p:sldMasterIdLst>
   <p:notesMasterIdLst>
-    <p:notesMasterId r:id="rId12"/>
+    <p:notesMasterId r:id="rId11"/>
   </p:notesMasterIdLst>
   <p:sldIdLst>
     <p:sldId id="257" r:id="rId5"/>
     <p:sldId id="264" r:id="rId6"/>
     <p:sldId id="265" r:id="rId7"/>
-    <p:sldId id="266" r:id="rId8"/>
-    <p:sldId id="267" r:id="rId9"/>
-    <p:sldId id="268" r:id="rId10"/>
-    <p:sldId id="259" r:id="rId11"/>
+    <p:sldId id="269" r:id="rId8"/>
+    <p:sldId id="271" r:id="rId9"/>
+    <p:sldId id="259" r:id="rId10"/>
   </p:sldIdLst>
   <p:sldSz cx="12192000" cy="6858000"/>
   <p:notesSz cx="6858000" cy="9144000"/>
@@ -6133,7 +6132,7 @@
         <p:spPr>
           <a:xfrm>
             <a:off x="168812" y="3697459"/>
-            <a:ext cx="12023188" cy="1754326"/>
+            <a:ext cx="12023188" cy="813749"/>
           </a:xfrm>
           <a:prstGeom prst="rect">
             <a:avLst/>
@@ -6146,14 +6145,27 @@
           </a:bodyPr>
           <a:lstStyle/>
           <a:p>
-            <a:r>
-              <a:rPr lang="en-IN" sz="5400" b="1" dirty="0">
+            <a:pPr>
+              <a:lnSpc>
+                <a:spcPts val="5550"/>
+              </a:lnSpc>
+            </a:pPr>
+            <a:r>
+              <a:rPr lang="en-US" sz="5400" b="1" dirty="0">
                 <a:solidFill>
                   <a:schemeClr val="bg1"/>
                 </a:solidFill>
+                <a:latin typeface="Inter Bold" pitchFamily="34" charset="0"/>
+                <a:ea typeface="Inter Bold" pitchFamily="34" charset="-122"/>
+                <a:cs typeface="Inter Bold" pitchFamily="34" charset="-120"/>
               </a:rPr>
-              <a:t>Day 1: Enterprise Infrastructure Monitoring</a:t>
-            </a:r>
+              <a:t>Day 2: Practical Prometheus &amp; Grafana</a:t>
+            </a:r>
+            <a:endParaRPr lang="en-US" sz="5400" dirty="0">
+              <a:solidFill>
+                <a:schemeClr val="bg1"/>
+              </a:solidFill>
+            </a:endParaRPr>
           </a:p>
         </p:txBody>
       </p:sp>
@@ -6305,10 +6317,10 @@
       </p:grpSpPr>
       <p:sp>
         <p:nvSpPr>
-          <p:cNvPr id="4" name="Text 0">
+          <p:cNvPr id="2" name="Text 0">
             <a:extLst>
               <a:ext uri="{FF2B5EF4-FFF2-40B4-BE49-F238E27FC236}">
-                <a16:creationId xmlns:a16="http://schemas.microsoft.com/office/drawing/2014/main" id="{256F293F-E965-5390-8E37-9746B717F00B}"/>
+                <a16:creationId xmlns:a16="http://schemas.microsoft.com/office/drawing/2014/main" id="{974D971F-14DA-7E2D-3C00-2BD32C572510}"/>
               </a:ext>
             </a:extLst>
           </p:cNvPr>
@@ -6317,8 +6329,8 @@
         </p:nvSpPr>
         <p:spPr>
           <a:xfrm>
-            <a:off x="661492" y="1334592"/>
-            <a:ext cx="10869018" cy="1181298"/>
+            <a:off x="1" y="0"/>
+            <a:ext cx="9392652" cy="551329"/>
           </a:xfrm>
           <a:prstGeom prst="rect">
             <a:avLst/>
@@ -6327,65 +6339,40 @@
           <a:ln/>
         </p:spPr>
         <p:txBody>
-          <a:bodyPr wrap="square" lIns="0" tIns="0" rIns="0" bIns="0" rtlCol="0" anchor="t"/>
+          <a:bodyPr wrap="none" lIns="0" tIns="0" rIns="0" bIns="0" rtlCol="0" anchor="t"/>
           <a:lstStyle/>
           <a:p>
-            <a:pPr>
+            <a:pPr marL="0" indent="0" algn="l">
               <a:lnSpc>
-                <a:spcPts val="4625"/>
+                <a:spcPts val="5050"/>
               </a:lnSpc>
+              <a:buNone/>
             </a:pPr>
             <a:r>
-              <a:rPr lang="en-US" sz="3708" b="1" dirty="0">
+              <a:rPr lang="en-US" sz="3000" b="1" dirty="0">
                 <a:solidFill>
-                  <a:srgbClr val="000000"/>
+                  <a:schemeClr val="bg1"/>
                 </a:solidFill>
                 <a:latin typeface="Inter Bold" pitchFamily="34" charset="0"/>
                 <a:ea typeface="Inter Bold" pitchFamily="34" charset="-122"/>
                 <a:cs typeface="Inter Bold" pitchFamily="34" charset="-120"/>
               </a:rPr>
-              <a:t>Concepts and Benefits of Infrastructure Monitoring</a:t>
-            </a:r>
-            <a:endParaRPr lang="en-US" sz="3708" dirty="0"/>
-          </a:p>
-        </p:txBody>
-      </p:sp>
-      <p:pic>
-        <p:nvPicPr>
-          <p:cNvPr id="5" name="Image 0" descr="preencoded.png">
+              <a:t>Setting Up Prometheus and Grafana</a:t>
+            </a:r>
+            <a:endParaRPr lang="en-US" sz="3000" dirty="0">
+              <a:solidFill>
+                <a:schemeClr val="bg1"/>
+              </a:solidFill>
+            </a:endParaRPr>
+          </a:p>
+        </p:txBody>
+      </p:sp>
+      <p:sp>
+        <p:nvSpPr>
+          <p:cNvPr id="3" name="Text 1">
             <a:extLst>
               <a:ext uri="{FF2B5EF4-FFF2-40B4-BE49-F238E27FC236}">
-                <a16:creationId xmlns:a16="http://schemas.microsoft.com/office/drawing/2014/main" id="{CB547268-63AB-15BD-BCE2-5878102D8E22}"/>
-              </a:ext>
-            </a:extLst>
-          </p:cNvPr>
-          <p:cNvPicPr>
-            <a:picLocks noChangeAspect="1"/>
-          </p:cNvPicPr>
-          <p:nvPr/>
-        </p:nvPicPr>
-        <p:blipFill>
-          <a:blip r:embed="rId2"/>
-          <a:stretch>
-            <a:fillRect/>
-          </a:stretch>
-        </p:blipFill>
-        <p:spPr>
-          <a:xfrm>
-            <a:off x="661492" y="2799358"/>
-            <a:ext cx="472480" cy="472480"/>
-          </a:xfrm>
-          <a:prstGeom prst="rect">
-            <a:avLst/>
-          </a:prstGeom>
-        </p:spPr>
-      </p:pic>
-      <p:sp>
-        <p:nvSpPr>
-          <p:cNvPr id="6" name="Text 1">
-            <a:extLst>
-              <a:ext uri="{FF2B5EF4-FFF2-40B4-BE49-F238E27FC236}">
-                <a16:creationId xmlns:a16="http://schemas.microsoft.com/office/drawing/2014/main" id="{B129F936-8A22-28AB-AA53-C892D0C766A0}"/>
+                <a16:creationId xmlns:a16="http://schemas.microsoft.com/office/drawing/2014/main" id="{CFF1B670-A3A4-A1D9-5E66-DB1EEC559F19}"/>
               </a:ext>
             </a:extLst>
           </p:cNvPr>
@@ -6394,8 +6381,8 @@
         </p:nvSpPr>
         <p:spPr>
           <a:xfrm>
-            <a:off x="1370211" y="2911574"/>
-            <a:ext cx="3969147" cy="295275"/>
+            <a:off x="721638" y="1706047"/>
+            <a:ext cx="6342102" cy="989767"/>
           </a:xfrm>
           <a:prstGeom prst="rect">
             <a:avLst/>
@@ -6404,60 +6391,14 @@
           <a:ln/>
         </p:spPr>
         <p:txBody>
-          <a:bodyPr wrap="none" lIns="0" tIns="0" rIns="0" bIns="0" rtlCol="0" anchor="t"/>
-          <a:lstStyle/>
-          <a:p>
-            <a:pPr>
-              <a:lnSpc>
-                <a:spcPts val="2292"/>
-              </a:lnSpc>
-            </a:pPr>
-            <a:r>
-              <a:rPr lang="en-US" sz="2000" b="1" dirty="0">
-                <a:solidFill>
-                  <a:srgbClr val="000000"/>
-                </a:solidFill>
-                <a:latin typeface="Inter Bold" pitchFamily="34" charset="0"/>
-                <a:ea typeface="Inter Bold" pitchFamily="34" charset="-122"/>
-                <a:cs typeface="Inter Bold" pitchFamily="34" charset="-120"/>
-              </a:rPr>
-              <a:t>Continuous Resource Surveillance</a:t>
-            </a:r>
-            <a:endParaRPr lang="en-US" sz="2000" dirty="0"/>
-          </a:p>
-        </p:txBody>
-      </p:sp>
-      <p:sp>
-        <p:nvSpPr>
-          <p:cNvPr id="7" name="Text 2">
-            <a:extLst>
-              <a:ext uri="{FF2B5EF4-FFF2-40B4-BE49-F238E27FC236}">
-                <a16:creationId xmlns:a16="http://schemas.microsoft.com/office/drawing/2014/main" id="{C4AF4DA7-5CDB-E675-AF69-2BF09E7FA04D}"/>
-              </a:ext>
-            </a:extLst>
-          </p:cNvPr>
-          <p:cNvSpPr/>
-          <p:nvPr/>
-        </p:nvSpPr>
-        <p:spPr>
-          <a:xfrm>
-            <a:off x="1370211" y="3320257"/>
-            <a:ext cx="4607619" cy="604838"/>
-          </a:xfrm>
-          <a:prstGeom prst="rect">
-            <a:avLst/>
-          </a:prstGeom>
-          <a:noFill/>
-          <a:ln/>
-        </p:spPr>
-        <p:txBody>
           <a:bodyPr wrap="square" lIns="0" tIns="0" rIns="0" bIns="0" rtlCol="0" anchor="t"/>
           <a:lstStyle/>
           <a:p>
-            <a:pPr>
+            <a:pPr marL="0" indent="0" algn="l">
               <a:lnSpc>
-                <a:spcPts val="2375"/>
+                <a:spcPts val="2550"/>
               </a:lnSpc>
+              <a:buNone/>
             </a:pPr>
             <a:r>
               <a:rPr lang="en-US" sz="2000" dirty="0">
@@ -6468,7 +6409,226 @@
                 <a:ea typeface="Inter" pitchFamily="34" charset="-122"/>
                 <a:cs typeface="Inter" pitchFamily="34" charset="-120"/>
               </a:rPr>
-              <a:t>Monitoring servers, networks, applications, and services in real-time.</a:t>
+              <a:t>To get started, download Prometheus and Node Exporter from their official sites. Install Grafana either locally or leverage Grafana Cloud for ease of use.</a:t>
+            </a:r>
+            <a:endParaRPr lang="en-US" sz="2000" dirty="0"/>
+          </a:p>
+        </p:txBody>
+      </p:sp>
+      <p:sp>
+        <p:nvSpPr>
+          <p:cNvPr id="17" name="Text 2">
+            <a:extLst>
+              <a:ext uri="{FF2B5EF4-FFF2-40B4-BE49-F238E27FC236}">
+                <a16:creationId xmlns:a16="http://schemas.microsoft.com/office/drawing/2014/main" id="{3B2DC4AC-89D2-6D83-0A6A-042B15F2BE4F}"/>
+              </a:ext>
+            </a:extLst>
+          </p:cNvPr>
+          <p:cNvSpPr/>
+          <p:nvPr/>
+        </p:nvSpPr>
+        <p:spPr>
+          <a:xfrm>
+            <a:off x="721638" y="2881313"/>
+            <a:ext cx="6342102" cy="329922"/>
+          </a:xfrm>
+          <a:prstGeom prst="rect">
+            <a:avLst/>
+          </a:prstGeom>
+          <a:noFill/>
+          <a:ln/>
+        </p:spPr>
+        <p:txBody>
+          <a:bodyPr wrap="none" lIns="0" tIns="0" rIns="0" bIns="0" rtlCol="0" anchor="t"/>
+          <a:lstStyle/>
+          <a:p>
+            <a:pPr marL="342900" indent="-342900" algn="l">
+              <a:lnSpc>
+                <a:spcPts val="2550"/>
+              </a:lnSpc>
+              <a:buSzPct val="100000"/>
+              <a:buChar char="•"/>
+            </a:pPr>
+            <a:r>
+              <a:rPr lang="en-US" sz="2000" dirty="0">
+                <a:solidFill>
+                  <a:srgbClr val="000000"/>
+                </a:solidFill>
+                <a:latin typeface="Inter" pitchFamily="34" charset="0"/>
+                <a:ea typeface="Inter" pitchFamily="34" charset="-122"/>
+                <a:cs typeface="Inter" pitchFamily="34" charset="-120"/>
+              </a:rPr>
+              <a:t>Prometheus runs on default port </a:t>
+            </a:r>
+            <a:r>
+              <a:rPr lang="en-US" sz="2000" b="1" dirty="0">
+                <a:solidFill>
+                  <a:srgbClr val="000000"/>
+                </a:solidFill>
+                <a:latin typeface="Inter" pitchFamily="34" charset="0"/>
+                <a:ea typeface="Inter" pitchFamily="34" charset="-122"/>
+                <a:cs typeface="Inter" pitchFamily="34" charset="-120"/>
+              </a:rPr>
+              <a:t>9090</a:t>
+            </a:r>
+            <a:r>
+              <a:rPr lang="en-US" sz="2000" dirty="0">
+                <a:solidFill>
+                  <a:srgbClr val="000000"/>
+                </a:solidFill>
+                <a:latin typeface="Inter" pitchFamily="34" charset="0"/>
+                <a:ea typeface="Inter" pitchFamily="34" charset="-122"/>
+                <a:cs typeface="Inter" pitchFamily="34" charset="-120"/>
+              </a:rPr>
+              <a:t>.</a:t>
+            </a:r>
+            <a:endParaRPr lang="en-US" sz="2000" dirty="0"/>
+          </a:p>
+        </p:txBody>
+      </p:sp>
+      <p:sp>
+        <p:nvSpPr>
+          <p:cNvPr id="18" name="Text 3">
+            <a:extLst>
+              <a:ext uri="{FF2B5EF4-FFF2-40B4-BE49-F238E27FC236}">
+                <a16:creationId xmlns:a16="http://schemas.microsoft.com/office/drawing/2014/main" id="{E3CE0551-93FC-2C72-173B-203C3B574425}"/>
+              </a:ext>
+            </a:extLst>
+          </p:cNvPr>
+          <p:cNvSpPr/>
+          <p:nvPr/>
+        </p:nvSpPr>
+        <p:spPr>
+          <a:xfrm>
+            <a:off x="721638" y="3283387"/>
+            <a:ext cx="6342102" cy="329922"/>
+          </a:xfrm>
+          <a:prstGeom prst="rect">
+            <a:avLst/>
+          </a:prstGeom>
+          <a:noFill/>
+          <a:ln/>
+        </p:spPr>
+        <p:txBody>
+          <a:bodyPr wrap="none" lIns="0" tIns="0" rIns="0" bIns="0" rtlCol="0" anchor="t"/>
+          <a:lstStyle/>
+          <a:p>
+            <a:pPr marL="342900" indent="-342900" algn="l">
+              <a:lnSpc>
+                <a:spcPts val="2550"/>
+              </a:lnSpc>
+              <a:buSzPct val="100000"/>
+              <a:buChar char="•"/>
+            </a:pPr>
+            <a:r>
+              <a:rPr lang="en-US" sz="2000" dirty="0">
+                <a:solidFill>
+                  <a:srgbClr val="000000"/>
+                </a:solidFill>
+                <a:latin typeface="Inter" pitchFamily="34" charset="0"/>
+                <a:ea typeface="Inter" pitchFamily="34" charset="-122"/>
+                <a:cs typeface="Inter" pitchFamily="34" charset="-120"/>
+              </a:rPr>
+              <a:t>Grafana runs on default port </a:t>
+            </a:r>
+            <a:r>
+              <a:rPr lang="en-US" sz="2000" b="1" dirty="0">
+                <a:solidFill>
+                  <a:srgbClr val="000000"/>
+                </a:solidFill>
+                <a:latin typeface="Inter" pitchFamily="34" charset="0"/>
+                <a:ea typeface="Inter" pitchFamily="34" charset="-122"/>
+                <a:cs typeface="Inter" pitchFamily="34" charset="-120"/>
+              </a:rPr>
+              <a:t>3000</a:t>
+            </a:r>
+            <a:r>
+              <a:rPr lang="en-US" sz="2000" dirty="0">
+                <a:solidFill>
+                  <a:srgbClr val="000000"/>
+                </a:solidFill>
+                <a:latin typeface="Inter" pitchFamily="34" charset="0"/>
+                <a:ea typeface="Inter" pitchFamily="34" charset="-122"/>
+                <a:cs typeface="Inter" pitchFamily="34" charset="-120"/>
+              </a:rPr>
+              <a:t>.</a:t>
+            </a:r>
+            <a:endParaRPr lang="en-US" sz="2000" dirty="0"/>
+          </a:p>
+        </p:txBody>
+      </p:sp>
+      <p:sp>
+        <p:nvSpPr>
+          <p:cNvPr id="19" name="Text 4">
+            <a:extLst>
+              <a:ext uri="{FF2B5EF4-FFF2-40B4-BE49-F238E27FC236}">
+                <a16:creationId xmlns:a16="http://schemas.microsoft.com/office/drawing/2014/main" id="{F10BF5D8-C16D-BC43-D596-2C559AB0EB66}"/>
+              </a:ext>
+            </a:extLst>
+          </p:cNvPr>
+          <p:cNvSpPr/>
+          <p:nvPr/>
+        </p:nvSpPr>
+        <p:spPr>
+          <a:xfrm>
+            <a:off x="721638" y="3798808"/>
+            <a:ext cx="6342102" cy="659844"/>
+          </a:xfrm>
+          <a:prstGeom prst="rect">
+            <a:avLst/>
+          </a:prstGeom>
+          <a:noFill/>
+          <a:ln/>
+        </p:spPr>
+        <p:txBody>
+          <a:bodyPr wrap="square" lIns="0" tIns="0" rIns="0" bIns="0" rtlCol="0" anchor="t"/>
+          <a:lstStyle/>
+          <a:p>
+            <a:pPr marL="0" indent="0" algn="l">
+              <a:lnSpc>
+                <a:spcPts val="2550"/>
+              </a:lnSpc>
+              <a:buNone/>
+            </a:pPr>
+            <a:r>
+              <a:rPr lang="en-US" sz="2000" dirty="0">
+                <a:solidFill>
+                  <a:srgbClr val="000000"/>
+                </a:solidFill>
+                <a:latin typeface="Inter" pitchFamily="34" charset="0"/>
+                <a:ea typeface="Inter" pitchFamily="34" charset="-122"/>
+                <a:cs typeface="Inter" pitchFamily="34" charset="-120"/>
+              </a:rPr>
+              <a:t>Verify Node Exporter metrics are accessible at </a:t>
+            </a:r>
+            <a:r>
+              <a:rPr lang="en-US" sz="2000" u="sng" dirty="0">
+                <a:solidFill>
+                  <a:srgbClr val="008ACA"/>
+                </a:solidFill>
+                <a:latin typeface="Inter" pitchFamily="34" charset="0"/>
+                <a:ea typeface="Inter" pitchFamily="34" charset="-122"/>
+                <a:cs typeface="Inter" pitchFamily="34" charset="-120"/>
+                <a:hlinkClick r:id="rId2">
+                  <a:extLst>
+                    <a:ext uri="{A12FA001-AC4F-418D-AE19-62706E023703}">
+                      <ahyp:hlinkClr xmlns:ahyp="http://schemas.microsoft.com/office/drawing/2018/hyperlinkcolor" val="tx"/>
+                    </a:ext>
+                  </a:extLst>
+                </a:hlinkClick>
+              </a:rPr>
+              <a:t>http://localhost:9100/metrics</a:t>
+            </a:r>
+            <a:r>
+              <a:rPr lang="en-US" sz="2000" dirty="0">
+                <a:solidFill>
+                  <a:srgbClr val="000000"/>
+                </a:solidFill>
+                <a:latin typeface="Inter" pitchFamily="34" charset="0"/>
+                <a:ea typeface="Inter" pitchFamily="34" charset="-122"/>
+                <a:cs typeface="Inter" pitchFamily="34" charset="-120"/>
+              </a:rPr>
+              <a:t>.</a:t>
             </a:r>
             <a:endParaRPr lang="en-US" sz="2000" dirty="0"/>
           </a:p>
@@ -6476,10 +6636,10 @@
       </p:sp>
       <p:pic>
         <p:nvPicPr>
-          <p:cNvPr id="8" name="Image 1" descr="preencoded.png">
+          <p:cNvPr id="20" name="Image 0" descr="preencoded.png">
             <a:extLst>
               <a:ext uri="{FF2B5EF4-FFF2-40B4-BE49-F238E27FC236}">
-                <a16:creationId xmlns:a16="http://schemas.microsoft.com/office/drawing/2014/main" id="{16ACCF3A-6E9A-C8C1-E44C-C67F7C08016E}"/>
+                <a16:creationId xmlns:a16="http://schemas.microsoft.com/office/drawing/2014/main" id="{83316FAD-5052-D1D0-9212-F873A0E524F8}"/>
               </a:ext>
             </a:extLst>
           </p:cNvPr>
@@ -6496,356 +6656,14 @@
         </p:blipFill>
         <p:spPr>
           <a:xfrm>
-            <a:off x="6214070" y="2799358"/>
-            <a:ext cx="472480" cy="472480"/>
+            <a:off x="8760579" y="3074732"/>
+            <a:ext cx="2767840" cy="2767840"/>
           </a:xfrm>
           <a:prstGeom prst="rect">
             <a:avLst/>
           </a:prstGeom>
         </p:spPr>
       </p:pic>
-      <p:sp>
-        <p:nvSpPr>
-          <p:cNvPr id="9" name="Text 3">
-            <a:extLst>
-              <a:ext uri="{FF2B5EF4-FFF2-40B4-BE49-F238E27FC236}">
-                <a16:creationId xmlns:a16="http://schemas.microsoft.com/office/drawing/2014/main" id="{F7BDBF11-646F-94CD-5BCF-50A28A4484AB}"/>
-              </a:ext>
-            </a:extLst>
-          </p:cNvPr>
-          <p:cNvSpPr/>
-          <p:nvPr/>
-        </p:nvSpPr>
-        <p:spPr>
-          <a:xfrm>
-            <a:off x="6922790" y="2911574"/>
-            <a:ext cx="2500412" cy="295275"/>
-          </a:xfrm>
-          <a:prstGeom prst="rect">
-            <a:avLst/>
-          </a:prstGeom>
-          <a:noFill/>
-          <a:ln/>
-        </p:spPr>
-        <p:txBody>
-          <a:bodyPr wrap="none" lIns="0" tIns="0" rIns="0" bIns="0" rtlCol="0" anchor="t"/>
-          <a:lstStyle/>
-          <a:p>
-            <a:pPr>
-              <a:lnSpc>
-                <a:spcPts val="2292"/>
-              </a:lnSpc>
-            </a:pPr>
-            <a:r>
-              <a:rPr lang="en-US" sz="2000" b="1" dirty="0">
-                <a:solidFill>
-                  <a:srgbClr val="000000"/>
-                </a:solidFill>
-                <a:latin typeface="Inter Bold" pitchFamily="34" charset="0"/>
-                <a:ea typeface="Inter Bold" pitchFamily="34" charset="-122"/>
-                <a:cs typeface="Inter Bold" pitchFamily="34" charset="-120"/>
-              </a:rPr>
-              <a:t>Rapid Issue Detection</a:t>
-            </a:r>
-            <a:endParaRPr lang="en-US" sz="2000" dirty="0"/>
-          </a:p>
-        </p:txBody>
-      </p:sp>
-      <p:sp>
-        <p:nvSpPr>
-          <p:cNvPr id="10" name="Text 4">
-            <a:extLst>
-              <a:ext uri="{FF2B5EF4-FFF2-40B4-BE49-F238E27FC236}">
-                <a16:creationId xmlns:a16="http://schemas.microsoft.com/office/drawing/2014/main" id="{92B9E881-424E-3794-8613-8D0E74FCDA5A}"/>
-              </a:ext>
-            </a:extLst>
-          </p:cNvPr>
-          <p:cNvSpPr/>
-          <p:nvPr/>
-        </p:nvSpPr>
-        <p:spPr>
-          <a:xfrm>
-            <a:off x="6922791" y="3320257"/>
-            <a:ext cx="4607719" cy="604838"/>
-          </a:xfrm>
-          <a:prstGeom prst="rect">
-            <a:avLst/>
-          </a:prstGeom>
-          <a:noFill/>
-          <a:ln/>
-        </p:spPr>
-        <p:txBody>
-          <a:bodyPr wrap="square" lIns="0" tIns="0" rIns="0" bIns="0" rtlCol="0" anchor="t"/>
-          <a:lstStyle/>
-          <a:p>
-            <a:pPr>
-              <a:lnSpc>
-                <a:spcPts val="2375"/>
-              </a:lnSpc>
-            </a:pPr>
-            <a:r>
-              <a:rPr lang="en-US" sz="2000" dirty="0">
-                <a:solidFill>
-                  <a:srgbClr val="000000"/>
-                </a:solidFill>
-                <a:latin typeface="Inter" pitchFamily="34" charset="0"/>
-                <a:ea typeface="Inter" pitchFamily="34" charset="-122"/>
-                <a:cs typeface="Inter" pitchFamily="34" charset="-120"/>
-              </a:rPr>
-              <a:t>Quickly identifies problems, significantly reducing downtime and impact.</a:t>
-            </a:r>
-            <a:endParaRPr lang="en-US" sz="2000" dirty="0"/>
-          </a:p>
-        </p:txBody>
-      </p:sp>
-      <p:pic>
-        <p:nvPicPr>
-          <p:cNvPr id="11" name="Image 2" descr="preencoded.png">
-            <a:extLst>
-              <a:ext uri="{FF2B5EF4-FFF2-40B4-BE49-F238E27FC236}">
-                <a16:creationId xmlns:a16="http://schemas.microsoft.com/office/drawing/2014/main" id="{2FBE1D18-D89B-9615-9834-D1B4A8F85327}"/>
-              </a:ext>
-            </a:extLst>
-          </p:cNvPr>
-          <p:cNvPicPr>
-            <a:picLocks noChangeAspect="1"/>
-          </p:cNvPicPr>
-          <p:nvPr/>
-        </p:nvPicPr>
-        <p:blipFill>
-          <a:blip r:embed="rId4"/>
-          <a:stretch>
-            <a:fillRect/>
-          </a:stretch>
-        </p:blipFill>
-        <p:spPr>
-          <a:xfrm>
-            <a:off x="661492" y="4397573"/>
-            <a:ext cx="472480" cy="472480"/>
-          </a:xfrm>
-          <a:prstGeom prst="rect">
-            <a:avLst/>
-          </a:prstGeom>
-        </p:spPr>
-      </p:pic>
-      <p:sp>
-        <p:nvSpPr>
-          <p:cNvPr id="12" name="Text 5">
-            <a:extLst>
-              <a:ext uri="{FF2B5EF4-FFF2-40B4-BE49-F238E27FC236}">
-                <a16:creationId xmlns:a16="http://schemas.microsoft.com/office/drawing/2014/main" id="{F8216F15-8D55-7B9B-E810-76275D4397F0}"/>
-              </a:ext>
-            </a:extLst>
-          </p:cNvPr>
-          <p:cNvSpPr/>
-          <p:nvPr/>
-        </p:nvSpPr>
-        <p:spPr>
-          <a:xfrm>
-            <a:off x="1370211" y="4509790"/>
-            <a:ext cx="3034705" cy="295275"/>
-          </a:xfrm>
-          <a:prstGeom prst="rect">
-            <a:avLst/>
-          </a:prstGeom>
-          <a:noFill/>
-          <a:ln/>
-        </p:spPr>
-        <p:txBody>
-          <a:bodyPr wrap="none" lIns="0" tIns="0" rIns="0" bIns="0" rtlCol="0" anchor="t"/>
-          <a:lstStyle/>
-          <a:p>
-            <a:pPr>
-              <a:lnSpc>
-                <a:spcPts val="2292"/>
-              </a:lnSpc>
-            </a:pPr>
-            <a:r>
-              <a:rPr lang="en-US" sz="2000" b="1" dirty="0">
-                <a:solidFill>
-                  <a:srgbClr val="000000"/>
-                </a:solidFill>
-                <a:latin typeface="Inter Bold" pitchFamily="34" charset="0"/>
-                <a:ea typeface="Inter Bold" pitchFamily="34" charset="-122"/>
-                <a:cs typeface="Inter Bold" pitchFamily="34" charset="-120"/>
-              </a:rPr>
-              <a:t>Performance Optimization</a:t>
-            </a:r>
-            <a:endParaRPr lang="en-US" sz="2000" dirty="0"/>
-          </a:p>
-        </p:txBody>
-      </p:sp>
-      <p:sp>
-        <p:nvSpPr>
-          <p:cNvPr id="13" name="Text 6">
-            <a:extLst>
-              <a:ext uri="{FF2B5EF4-FFF2-40B4-BE49-F238E27FC236}">
-                <a16:creationId xmlns:a16="http://schemas.microsoft.com/office/drawing/2014/main" id="{5B2FDF59-85C1-EC77-1C25-AD750EADCAF7}"/>
-              </a:ext>
-            </a:extLst>
-          </p:cNvPr>
-          <p:cNvSpPr/>
-          <p:nvPr/>
-        </p:nvSpPr>
-        <p:spPr>
-          <a:xfrm>
-            <a:off x="1370211" y="4918472"/>
-            <a:ext cx="4607619" cy="604838"/>
-          </a:xfrm>
-          <a:prstGeom prst="rect">
-            <a:avLst/>
-          </a:prstGeom>
-          <a:noFill/>
-          <a:ln/>
-        </p:spPr>
-        <p:txBody>
-          <a:bodyPr wrap="square" lIns="0" tIns="0" rIns="0" bIns="0" rtlCol="0" anchor="t"/>
-          <a:lstStyle/>
-          <a:p>
-            <a:pPr>
-              <a:lnSpc>
-                <a:spcPts val="2375"/>
-              </a:lnSpc>
-            </a:pPr>
-            <a:r>
-              <a:rPr lang="en-US" sz="2000" dirty="0">
-                <a:solidFill>
-                  <a:srgbClr val="000000"/>
-                </a:solidFill>
-                <a:latin typeface="Inter" pitchFamily="34" charset="0"/>
-                <a:ea typeface="Inter" pitchFamily="34" charset="-122"/>
-                <a:cs typeface="Inter" pitchFamily="34" charset="-120"/>
-              </a:rPr>
-              <a:t>Enhances system efficiency and elevates the overall user experience.</a:t>
-            </a:r>
-            <a:endParaRPr lang="en-US" sz="2000" dirty="0"/>
-          </a:p>
-        </p:txBody>
-      </p:sp>
-      <p:pic>
-        <p:nvPicPr>
-          <p:cNvPr id="14" name="Image 3" descr="preencoded.png">
-            <a:extLst>
-              <a:ext uri="{FF2B5EF4-FFF2-40B4-BE49-F238E27FC236}">
-                <a16:creationId xmlns:a16="http://schemas.microsoft.com/office/drawing/2014/main" id="{BECFDA33-804F-507E-1C3F-B5D50C123CB8}"/>
-              </a:ext>
-            </a:extLst>
-          </p:cNvPr>
-          <p:cNvPicPr>
-            <a:picLocks noChangeAspect="1"/>
-          </p:cNvPicPr>
-          <p:nvPr/>
-        </p:nvPicPr>
-        <p:blipFill>
-          <a:blip r:embed="rId5"/>
-          <a:stretch>
-            <a:fillRect/>
-          </a:stretch>
-        </p:blipFill>
-        <p:spPr>
-          <a:xfrm>
-            <a:off x="6214070" y="4397573"/>
-            <a:ext cx="472480" cy="472480"/>
-          </a:xfrm>
-          <a:prstGeom prst="rect">
-            <a:avLst/>
-          </a:prstGeom>
-        </p:spPr>
-      </p:pic>
-      <p:sp>
-        <p:nvSpPr>
-          <p:cNvPr id="15" name="Text 7">
-            <a:extLst>
-              <a:ext uri="{FF2B5EF4-FFF2-40B4-BE49-F238E27FC236}">
-                <a16:creationId xmlns:a16="http://schemas.microsoft.com/office/drawing/2014/main" id="{CDDBCB8F-12CE-1BE3-0B39-78A186E95AC8}"/>
-              </a:ext>
-            </a:extLst>
-          </p:cNvPr>
-          <p:cNvSpPr/>
-          <p:nvPr/>
-        </p:nvSpPr>
-        <p:spPr>
-          <a:xfrm>
-            <a:off x="6922790" y="4509790"/>
-            <a:ext cx="3367981" cy="295275"/>
-          </a:xfrm>
-          <a:prstGeom prst="rect">
-            <a:avLst/>
-          </a:prstGeom>
-          <a:noFill/>
-          <a:ln/>
-        </p:spPr>
-        <p:txBody>
-          <a:bodyPr wrap="none" lIns="0" tIns="0" rIns="0" bIns="0" rtlCol="0" anchor="t"/>
-          <a:lstStyle/>
-          <a:p>
-            <a:pPr>
-              <a:lnSpc>
-                <a:spcPts val="2292"/>
-              </a:lnSpc>
-            </a:pPr>
-            <a:r>
-              <a:rPr lang="en-US" sz="2000" b="1" dirty="0">
-                <a:solidFill>
-                  <a:srgbClr val="000000"/>
-                </a:solidFill>
-                <a:latin typeface="Inter Bold" pitchFamily="34" charset="0"/>
-                <a:ea typeface="Inter Bold" pitchFamily="34" charset="-122"/>
-                <a:cs typeface="Inter Bold" pitchFamily="34" charset="-120"/>
-              </a:rPr>
-              <a:t>Data-Driven Decision Making</a:t>
-            </a:r>
-            <a:endParaRPr lang="en-US" sz="2000" dirty="0"/>
-          </a:p>
-        </p:txBody>
-      </p:sp>
-      <p:sp>
-        <p:nvSpPr>
-          <p:cNvPr id="16" name="Text 8">
-            <a:extLst>
-              <a:ext uri="{FF2B5EF4-FFF2-40B4-BE49-F238E27FC236}">
-                <a16:creationId xmlns:a16="http://schemas.microsoft.com/office/drawing/2014/main" id="{87BCADD4-34CD-AC97-ABD2-D6E6EA78316F}"/>
-              </a:ext>
-            </a:extLst>
-          </p:cNvPr>
-          <p:cNvSpPr/>
-          <p:nvPr/>
-        </p:nvSpPr>
-        <p:spPr>
-          <a:xfrm>
-            <a:off x="6922791" y="4918472"/>
-            <a:ext cx="4607719" cy="604838"/>
-          </a:xfrm>
-          <a:prstGeom prst="rect">
-            <a:avLst/>
-          </a:prstGeom>
-          <a:noFill/>
-          <a:ln/>
-        </p:spPr>
-        <p:txBody>
-          <a:bodyPr wrap="square" lIns="0" tIns="0" rIns="0" bIns="0" rtlCol="0" anchor="t"/>
-          <a:lstStyle/>
-          <a:p>
-            <a:pPr>
-              <a:lnSpc>
-                <a:spcPts val="2375"/>
-              </a:lnSpc>
-            </a:pPr>
-            <a:r>
-              <a:rPr lang="en-US" sz="2000" dirty="0">
-                <a:solidFill>
-                  <a:srgbClr val="000000"/>
-                </a:solidFill>
-                <a:latin typeface="Inter" pitchFamily="34" charset="0"/>
-                <a:ea typeface="Inter" pitchFamily="34" charset="-122"/>
-                <a:cs typeface="Inter" pitchFamily="34" charset="-120"/>
-              </a:rPr>
-              <a:t>Supports strategic planning with accurate, real-time operational data.</a:t>
-            </a:r>
-            <a:endParaRPr lang="en-US" sz="2000" dirty="0"/>
-          </a:p>
-        </p:txBody>
-      </p:sp>
     </p:spTree>
     <p:extLst>
       <p:ext uri="{BB962C8B-B14F-4D97-AF65-F5344CB8AC3E}">
@@ -6878,10 +6696,10 @@
       </p:grpSpPr>
       <p:sp>
         <p:nvSpPr>
-          <p:cNvPr id="4" name="Text 0">
+          <p:cNvPr id="2" name="Text 0">
             <a:extLst>
               <a:ext uri="{FF2B5EF4-FFF2-40B4-BE49-F238E27FC236}">
-                <a16:creationId xmlns:a16="http://schemas.microsoft.com/office/drawing/2014/main" id="{0645BD0D-53D1-9136-BE01-C83EBCB832A0}"/>
+                <a16:creationId xmlns:a16="http://schemas.microsoft.com/office/drawing/2014/main" id="{9BB74131-36E2-91E4-3819-0C27C25E96FF}"/>
               </a:ext>
             </a:extLst>
           </p:cNvPr>
@@ -6890,8 +6708,8 @@
         </p:nvSpPr>
         <p:spPr>
           <a:xfrm>
-            <a:off x="661492" y="1648917"/>
-            <a:ext cx="10772676" cy="590649"/>
+            <a:off x="0" y="-31416"/>
+            <a:ext cx="11127335" cy="574751"/>
           </a:xfrm>
           <a:prstGeom prst="rect">
             <a:avLst/>
@@ -6900,35 +6718,40 @@
           <a:ln/>
         </p:spPr>
         <p:txBody>
-          <a:bodyPr wrap="none" lIns="0" tIns="0" rIns="0" bIns="0" rtlCol="0" anchor="t"/>
+          <a:bodyPr wrap="square" lIns="0" tIns="0" rIns="0" bIns="0" rtlCol="0" anchor="t"/>
           <a:lstStyle/>
           <a:p>
-            <a:pPr>
+            <a:pPr marL="0" indent="0" algn="l">
               <a:lnSpc>
-                <a:spcPts val="4625"/>
+                <a:spcPts val="5550"/>
               </a:lnSpc>
+              <a:buNone/>
             </a:pPr>
             <a:r>
-              <a:rPr lang="en-US" sz="3708" b="1" dirty="0">
+              <a:rPr lang="en-US" sz="3000" b="1" dirty="0">
                 <a:solidFill>
-                  <a:srgbClr val="000000"/>
+                  <a:schemeClr val="bg1"/>
                 </a:solidFill>
                 <a:latin typeface="Inter Bold" pitchFamily="34" charset="0"/>
                 <a:ea typeface="Inter Bold" pitchFamily="34" charset="-122"/>
                 <a:cs typeface="Inter Bold" pitchFamily="34" charset="-120"/>
               </a:rPr>
-              <a:t>Popular Infrastructure Monitoring Tools (2025)</a:t>
-            </a:r>
-            <a:endParaRPr lang="en-US" sz="3708" dirty="0"/>
-          </a:p>
-        </p:txBody>
-      </p:sp>
-      <p:sp>
-        <p:nvSpPr>
-          <p:cNvPr id="5" name="Text 1">
+              <a:t>Adding Targets to Prometheus (prometheus.yml)</a:t>
+            </a:r>
+            <a:endParaRPr lang="en-US" sz="3000" dirty="0">
+              <a:solidFill>
+                <a:schemeClr val="bg1"/>
+              </a:solidFill>
+            </a:endParaRPr>
+          </a:p>
+        </p:txBody>
+      </p:sp>
+      <p:sp>
+        <p:nvSpPr>
+          <p:cNvPr id="3" name="Shape 1">
             <a:extLst>
               <a:ext uri="{FF2B5EF4-FFF2-40B4-BE49-F238E27FC236}">
-                <a16:creationId xmlns:a16="http://schemas.microsoft.com/office/drawing/2014/main" id="{960EA933-18CF-1CF4-D88F-AE4971B8020B}"/>
+                <a16:creationId xmlns:a16="http://schemas.microsoft.com/office/drawing/2014/main" id="{89101527-30DC-D0B0-B16C-60B85155D788}"/>
               </a:ext>
             </a:extLst>
           </p:cNvPr>
@@ -6937,8 +6760,46 @@
         </p:nvSpPr>
         <p:spPr>
           <a:xfrm>
-            <a:off x="661491" y="2712045"/>
-            <a:ext cx="2631877" cy="295275"/>
+            <a:off x="274386" y="985639"/>
+            <a:ext cx="2982490" cy="3871609"/>
+          </a:xfrm>
+          <a:prstGeom prst="roundRect">
+            <a:avLst>
+              <a:gd name="adj" fmla="val 2445"/>
+            </a:avLst>
+          </a:prstGeom>
+          <a:noFill/>
+          <a:ln w="30480">
+            <a:solidFill>
+              <a:srgbClr val="B2D5E5"/>
+            </a:solidFill>
+            <a:prstDash val="solid"/>
+          </a:ln>
+        </p:spPr>
+        <p:txBody>
+          <a:bodyPr/>
+          <a:lstStyle/>
+          <a:p>
+            <a:endParaRPr lang="en-US" sz="2000"/>
+          </a:p>
+        </p:txBody>
+      </p:sp>
+      <p:sp>
+        <p:nvSpPr>
+          <p:cNvPr id="13" name="Text 2">
+            <a:extLst>
+              <a:ext uri="{FF2B5EF4-FFF2-40B4-BE49-F238E27FC236}">
+                <a16:creationId xmlns:a16="http://schemas.microsoft.com/office/drawing/2014/main" id="{83E3C5D7-88DE-840C-46B5-AF01D90EAB40}"/>
+              </a:ext>
+            </a:extLst>
+          </p:cNvPr>
+          <p:cNvSpPr/>
+          <p:nvPr/>
+        </p:nvSpPr>
+        <p:spPr>
+          <a:xfrm>
+            <a:off x="355687" y="1070088"/>
+            <a:ext cx="2015095" cy="352051"/>
           </a:xfrm>
           <a:prstGeom prst="rect">
             <a:avLst/>
@@ -6950,10 +6811,11 @@
           <a:bodyPr wrap="none" lIns="0" tIns="0" rIns="0" bIns="0" rtlCol="0" anchor="t"/>
           <a:lstStyle/>
           <a:p>
-            <a:pPr>
+            <a:pPr marL="0" indent="0" algn="l">
               <a:lnSpc>
-                <a:spcPts val="2292"/>
+                <a:spcPts val="2750"/>
               </a:lnSpc>
+              <a:buNone/>
             </a:pPr>
             <a:r>
               <a:rPr lang="en-US" sz="2000" b="1" dirty="0">
@@ -6964,7 +6826,7 @@
                 <a:ea typeface="Inter Bold" pitchFamily="34" charset="-122"/>
                 <a:cs typeface="Inter Bold" pitchFamily="34" charset="-120"/>
               </a:rPr>
-              <a:t>Open Source Solutions</a:t>
+              <a:t>Configuration File</a:t>
             </a:r>
             <a:endParaRPr lang="en-US" sz="2000" dirty="0"/>
           </a:p>
@@ -6972,10 +6834,10 @@
       </p:sp>
       <p:sp>
         <p:nvSpPr>
-          <p:cNvPr id="6" name="Text 2">
+          <p:cNvPr id="14" name="Text 3">
             <a:extLst>
               <a:ext uri="{FF2B5EF4-FFF2-40B4-BE49-F238E27FC236}">
-                <a16:creationId xmlns:a16="http://schemas.microsoft.com/office/drawing/2014/main" id="{FD869461-29A6-E2FA-834C-5ED0DC16B9E2}"/>
+                <a16:creationId xmlns:a16="http://schemas.microsoft.com/office/drawing/2014/main" id="{44E30CF2-ED22-CB6F-4DC8-9CC5834A95EC}"/>
               </a:ext>
             </a:extLst>
           </p:cNvPr>
@@ -6984,8 +6846,8 @@
         </p:nvSpPr>
         <p:spPr>
           <a:xfrm>
-            <a:off x="661492" y="3196332"/>
-            <a:ext cx="5203924" cy="604838"/>
+            <a:off x="465143" y="1649464"/>
+            <a:ext cx="2616754" cy="2163406"/>
           </a:xfrm>
           <a:prstGeom prst="rect">
             <a:avLst/>
@@ -6997,13 +6859,23 @@
           <a:bodyPr wrap="square" lIns="0" tIns="0" rIns="0" bIns="0" rtlCol="0" anchor="t"/>
           <a:lstStyle/>
           <a:p>
-            <a:pPr marL="285739" indent="-285739">
+            <a:pPr marL="0" indent="0" algn="l">
               <a:lnSpc>
-                <a:spcPts val="2375"/>
+                <a:spcPts val="2850"/>
               </a:lnSpc>
-              <a:buSzPct val="100000"/>
-              <a:buChar char="•"/>
+              <a:buNone/>
             </a:pPr>
+            <a:r>
+              <a:rPr lang="en-US" sz="2000" dirty="0">
+                <a:solidFill>
+                  <a:srgbClr val="000000"/>
+                </a:solidFill>
+                <a:latin typeface="Inter" pitchFamily="34" charset="0"/>
+                <a:ea typeface="Inter" pitchFamily="34" charset="-122"/>
+                <a:cs typeface="Inter" pitchFamily="34" charset="-120"/>
+              </a:rPr>
+              <a:t>The </a:t>
+            </a:r>
             <a:r>
               <a:rPr lang="en-US" sz="2000" b="1" dirty="0">
                 <a:solidFill>
@@ -7013,7 +6885,7 @@
                 <a:ea typeface="Inter" pitchFamily="34" charset="-122"/>
                 <a:cs typeface="Inter" pitchFamily="34" charset="-120"/>
               </a:rPr>
-              <a:t>Prometheus + Grafana:</a:t>
+              <a:t>prometheus.yml</a:t>
             </a:r>
             <a:r>
               <a:rPr lang="en-US" sz="2000" dirty="0">
@@ -7024,7 +6896,7 @@
                 <a:ea typeface="Inter" pitchFamily="34" charset="-122"/>
                 <a:cs typeface="Inter" pitchFamily="34" charset="-120"/>
               </a:rPr>
-              <a:t> Robust for metrics and dashboards.</a:t>
+              <a:t> file is central to Prometheus, defining which targets it will scrape for metrics. This file specifies the endpoints Prometheus will monitor.</a:t>
             </a:r>
             <a:endParaRPr lang="en-US" sz="2000" dirty="0"/>
           </a:p>
@@ -7032,10 +6904,10 @@
       </p:sp>
       <p:sp>
         <p:nvSpPr>
-          <p:cNvPr id="7" name="Text 3">
+          <p:cNvPr id="15" name="Shape 4">
             <a:extLst>
               <a:ext uri="{FF2B5EF4-FFF2-40B4-BE49-F238E27FC236}">
-                <a16:creationId xmlns:a16="http://schemas.microsoft.com/office/drawing/2014/main" id="{15B79C8D-CD05-5911-916E-8185CDD7672F}"/>
+                <a16:creationId xmlns:a16="http://schemas.microsoft.com/office/drawing/2014/main" id="{FD9874EE-94E1-C7C2-92F3-20EC03042391}"/>
               </a:ext>
             </a:extLst>
           </p:cNvPr>
@@ -7044,8 +6916,46 @@
         </p:nvSpPr>
         <p:spPr>
           <a:xfrm>
-            <a:off x="661492" y="3867249"/>
-            <a:ext cx="5203924" cy="604838"/>
+            <a:off x="4697558" y="985639"/>
+            <a:ext cx="2982490" cy="3871609"/>
+          </a:xfrm>
+          <a:prstGeom prst="roundRect">
+            <a:avLst>
+              <a:gd name="adj" fmla="val 2445"/>
+            </a:avLst>
+          </a:prstGeom>
+          <a:noFill/>
+          <a:ln w="30480">
+            <a:solidFill>
+              <a:srgbClr val="B2D5E5"/>
+            </a:solidFill>
+            <a:prstDash val="solid"/>
+          </a:ln>
+        </p:spPr>
+        <p:txBody>
+          <a:bodyPr/>
+          <a:lstStyle/>
+          <a:p>
+            <a:endParaRPr lang="en-US" sz="2000"/>
+          </a:p>
+        </p:txBody>
+      </p:sp>
+      <p:sp>
+        <p:nvSpPr>
+          <p:cNvPr id="16" name="Text 5">
+            <a:extLst>
+              <a:ext uri="{FF2B5EF4-FFF2-40B4-BE49-F238E27FC236}">
+                <a16:creationId xmlns:a16="http://schemas.microsoft.com/office/drawing/2014/main" id="{C5619BA8-A6C0-EC76-E0AE-835A2FCB4C59}"/>
+              </a:ext>
+            </a:extLst>
+          </p:cNvPr>
+          <p:cNvSpPr/>
+          <p:nvPr/>
+        </p:nvSpPr>
+        <p:spPr>
+          <a:xfrm>
+            <a:off x="4839499" y="1070088"/>
+            <a:ext cx="2348420" cy="352051"/>
           </a:xfrm>
           <a:prstGeom prst="rect">
             <a:avLst/>
@@ -7054,16 +6964,329 @@
           <a:ln/>
         </p:spPr>
         <p:txBody>
+          <a:bodyPr wrap="none" lIns="0" tIns="0" rIns="0" bIns="0" rtlCol="0" anchor="t"/>
+          <a:lstStyle/>
+          <a:p>
+            <a:pPr marL="0" indent="0" algn="l">
+              <a:lnSpc>
+                <a:spcPts val="2750"/>
+              </a:lnSpc>
+              <a:buNone/>
+            </a:pPr>
+            <a:r>
+              <a:rPr lang="en-US" sz="2000" b="1" dirty="0">
+                <a:solidFill>
+                  <a:srgbClr val="000000"/>
+                </a:solidFill>
+                <a:latin typeface="Inter Bold" pitchFamily="34" charset="0"/>
+                <a:ea typeface="Inter Bold" pitchFamily="34" charset="-122"/>
+                <a:cs typeface="Inter Bold" pitchFamily="34" charset="-120"/>
+              </a:rPr>
+              <a:t>Example: Static Configs</a:t>
+            </a:r>
+            <a:endParaRPr lang="en-US" sz="2000" dirty="0"/>
+          </a:p>
+        </p:txBody>
+      </p:sp>
+      <p:sp>
+        <p:nvSpPr>
+          <p:cNvPr id="17" name="Shape 6">
+            <a:extLst>
+              <a:ext uri="{FF2B5EF4-FFF2-40B4-BE49-F238E27FC236}">
+                <a16:creationId xmlns:a16="http://schemas.microsoft.com/office/drawing/2014/main" id="{EDD8335D-49FE-94F6-FDF1-2BE64613E5D5}"/>
+              </a:ext>
+            </a:extLst>
+          </p:cNvPr>
+          <p:cNvSpPr/>
+          <p:nvPr/>
+        </p:nvSpPr>
+        <p:spPr>
+          <a:xfrm>
+            <a:off x="4888315" y="1731996"/>
+            <a:ext cx="2616754" cy="1419558"/>
+          </a:xfrm>
+          <a:prstGeom prst="roundRect">
+            <a:avLst>
+              <a:gd name="adj" fmla="val 6668"/>
+            </a:avLst>
+          </a:prstGeom>
+          <a:solidFill>
+            <a:srgbClr val="F2F2F2"/>
+          </a:solidFill>
+          <a:ln/>
+        </p:spPr>
+        <p:txBody>
+          <a:bodyPr/>
+          <a:lstStyle/>
+          <a:p>
+            <a:endParaRPr lang="en-US" sz="2000"/>
+          </a:p>
+        </p:txBody>
+      </p:sp>
+      <p:sp>
+        <p:nvSpPr>
+          <p:cNvPr id="18" name="Shape 7">
+            <a:extLst>
+              <a:ext uri="{FF2B5EF4-FFF2-40B4-BE49-F238E27FC236}">
+                <a16:creationId xmlns:a16="http://schemas.microsoft.com/office/drawing/2014/main" id="{4994CD51-1362-138C-2143-8E4D2B2F2EEF}"/>
+              </a:ext>
+            </a:extLst>
+          </p:cNvPr>
+          <p:cNvSpPr/>
+          <p:nvPr/>
+        </p:nvSpPr>
+        <p:spPr>
+          <a:xfrm>
+            <a:off x="4879930" y="1731996"/>
+            <a:ext cx="2632833" cy="1419558"/>
+          </a:xfrm>
+          <a:prstGeom prst="roundRect">
+            <a:avLst>
+              <a:gd name="adj" fmla="val 2381"/>
+            </a:avLst>
+          </a:prstGeom>
+          <a:solidFill>
+            <a:srgbClr val="F2F2F2"/>
+          </a:solidFill>
+          <a:ln/>
+        </p:spPr>
+        <p:txBody>
+          <a:bodyPr/>
+          <a:lstStyle/>
+          <a:p>
+            <a:endParaRPr lang="en-US" sz="2000"/>
+          </a:p>
+        </p:txBody>
+      </p:sp>
+      <p:sp>
+        <p:nvSpPr>
+          <p:cNvPr id="19" name="Text 8">
+            <a:extLst>
+              <a:ext uri="{FF2B5EF4-FFF2-40B4-BE49-F238E27FC236}">
+                <a16:creationId xmlns:a16="http://schemas.microsoft.com/office/drawing/2014/main" id="{F9109A88-8618-7204-17DF-397D8AFD488E}"/>
+              </a:ext>
+            </a:extLst>
+          </p:cNvPr>
+          <p:cNvSpPr/>
+          <p:nvPr/>
+        </p:nvSpPr>
+        <p:spPr>
+          <a:xfrm>
+            <a:off x="5048090" y="1885426"/>
+            <a:ext cx="2310424" cy="1081704"/>
+          </a:xfrm>
+          <a:prstGeom prst="rect">
+            <a:avLst/>
+          </a:prstGeom>
+          <a:noFill/>
+          <a:ln/>
+        </p:spPr>
+        <p:txBody>
           <a:bodyPr wrap="square" lIns="0" tIns="0" rIns="0" bIns="0" rtlCol="0" anchor="t"/>
           <a:lstStyle/>
           <a:p>
-            <a:pPr marL="285739" indent="-285739">
+            <a:pPr marL="0" indent="0" algn="l">
               <a:lnSpc>
-                <a:spcPts val="2375"/>
+                <a:spcPts val="2850"/>
               </a:lnSpc>
-              <a:buSzPct val="100000"/>
-              <a:buChar char="•"/>
+              <a:buNone/>
             </a:pPr>
+            <a:r>
+              <a:rPr lang="en-US" sz="2000" dirty="0">
+                <a:solidFill>
+                  <a:srgbClr val="000000"/>
+                </a:solidFill>
+                <a:highlight>
+                  <a:srgbClr val="F2F2F2"/>
+                </a:highlight>
+                <a:latin typeface="Consolas" pitchFamily="34" charset="0"/>
+                <a:ea typeface="Consolas" pitchFamily="34" charset="-122"/>
+                <a:cs typeface="Consolas" pitchFamily="34" charset="-120"/>
+              </a:rPr>
+              <a:t>- job_name: 'node'  static_configs:    - targets: ['localhost:9100']</a:t>
+            </a:r>
+            <a:endParaRPr lang="en-US" sz="2000" dirty="0"/>
+          </a:p>
+        </p:txBody>
+      </p:sp>
+      <p:sp>
+        <p:nvSpPr>
+          <p:cNvPr id="20" name="Text 9">
+            <a:extLst>
+              <a:ext uri="{FF2B5EF4-FFF2-40B4-BE49-F238E27FC236}">
+                <a16:creationId xmlns:a16="http://schemas.microsoft.com/office/drawing/2014/main" id="{0A6C7AE7-D122-9AF0-C069-B2415FA78590}"/>
+              </a:ext>
+            </a:extLst>
+          </p:cNvPr>
+          <p:cNvSpPr/>
+          <p:nvPr/>
+        </p:nvSpPr>
+        <p:spPr>
+          <a:xfrm>
+            <a:off x="4888315" y="3399305"/>
+            <a:ext cx="2616754" cy="1081704"/>
+          </a:xfrm>
+          <a:prstGeom prst="rect">
+            <a:avLst/>
+          </a:prstGeom>
+          <a:noFill/>
+          <a:ln/>
+        </p:spPr>
+        <p:txBody>
+          <a:bodyPr wrap="square" lIns="0" tIns="0" rIns="0" bIns="0" rtlCol="0" anchor="t"/>
+          <a:lstStyle/>
+          <a:p>
+            <a:pPr marL="0" indent="0" algn="l">
+              <a:lnSpc>
+                <a:spcPts val="2850"/>
+              </a:lnSpc>
+              <a:buNone/>
+            </a:pPr>
+            <a:r>
+              <a:rPr lang="en-US" sz="2000" dirty="0">
+                <a:solidFill>
+                  <a:srgbClr val="000000"/>
+                </a:solidFill>
+                <a:latin typeface="Inter" pitchFamily="34" charset="0"/>
+                <a:ea typeface="Inter" pitchFamily="34" charset="-122"/>
+                <a:cs typeface="Inter" pitchFamily="34" charset="-120"/>
+              </a:rPr>
+              <a:t>This example sets up Prometheus to scrape metrics from the Node Exporter running on localhost.</a:t>
+            </a:r>
+            <a:endParaRPr lang="en-US" sz="2000" dirty="0"/>
+          </a:p>
+        </p:txBody>
+      </p:sp>
+      <p:sp>
+        <p:nvSpPr>
+          <p:cNvPr id="21" name="Shape 10">
+            <a:extLst>
+              <a:ext uri="{FF2B5EF4-FFF2-40B4-BE49-F238E27FC236}">
+                <a16:creationId xmlns:a16="http://schemas.microsoft.com/office/drawing/2014/main" id="{7233C02D-C0F7-6A7B-C554-93F777E25932}"/>
+              </a:ext>
+            </a:extLst>
+          </p:cNvPr>
+          <p:cNvSpPr/>
+          <p:nvPr/>
+        </p:nvSpPr>
+        <p:spPr>
+          <a:xfrm>
+            <a:off x="9120729" y="985639"/>
+            <a:ext cx="2982490" cy="3871609"/>
+          </a:xfrm>
+          <a:prstGeom prst="roundRect">
+            <a:avLst>
+              <a:gd name="adj" fmla="val 2445"/>
+            </a:avLst>
+          </a:prstGeom>
+          <a:noFill/>
+          <a:ln w="30480">
+            <a:solidFill>
+              <a:srgbClr val="B2D5E5"/>
+            </a:solidFill>
+            <a:prstDash val="solid"/>
+          </a:ln>
+        </p:spPr>
+        <p:txBody>
+          <a:bodyPr/>
+          <a:lstStyle/>
+          <a:p>
+            <a:endParaRPr lang="en-US" sz="2000"/>
+          </a:p>
+        </p:txBody>
+      </p:sp>
+      <p:sp>
+        <p:nvSpPr>
+          <p:cNvPr id="22" name="Text 11">
+            <a:extLst>
+              <a:ext uri="{FF2B5EF4-FFF2-40B4-BE49-F238E27FC236}">
+                <a16:creationId xmlns:a16="http://schemas.microsoft.com/office/drawing/2014/main" id="{8C0DB22B-3943-FF4D-12FF-E2B9BF2018D3}"/>
+              </a:ext>
+            </a:extLst>
+          </p:cNvPr>
+          <p:cNvSpPr/>
+          <p:nvPr/>
+        </p:nvSpPr>
+        <p:spPr>
+          <a:xfrm>
+            <a:off x="9209482" y="1070088"/>
+            <a:ext cx="2056052" cy="352051"/>
+          </a:xfrm>
+          <a:prstGeom prst="rect">
+            <a:avLst/>
+          </a:prstGeom>
+          <a:noFill/>
+          <a:ln/>
+        </p:spPr>
+        <p:txBody>
+          <a:bodyPr wrap="none" lIns="0" tIns="0" rIns="0" bIns="0" rtlCol="0" anchor="t"/>
+          <a:lstStyle/>
+          <a:p>
+            <a:pPr marL="0" indent="0" algn="l">
+              <a:lnSpc>
+                <a:spcPts val="2750"/>
+              </a:lnSpc>
+              <a:buNone/>
+            </a:pPr>
+            <a:r>
+              <a:rPr lang="en-US" sz="2000" b="1" dirty="0">
+                <a:solidFill>
+                  <a:srgbClr val="000000"/>
+                </a:solidFill>
+                <a:latin typeface="Inter Bold" pitchFamily="34" charset="0"/>
+                <a:ea typeface="Inter Bold" pitchFamily="34" charset="-122"/>
+                <a:cs typeface="Inter Bold" pitchFamily="34" charset="-120"/>
+              </a:rPr>
+              <a:t>Running Prometheus</a:t>
+            </a:r>
+            <a:endParaRPr lang="en-US" sz="2000" dirty="0"/>
+          </a:p>
+        </p:txBody>
+      </p:sp>
+      <p:sp>
+        <p:nvSpPr>
+          <p:cNvPr id="23" name="Text 12">
+            <a:extLst>
+              <a:ext uri="{FF2B5EF4-FFF2-40B4-BE49-F238E27FC236}">
+                <a16:creationId xmlns:a16="http://schemas.microsoft.com/office/drawing/2014/main" id="{D5710096-5453-76C0-74BC-3744A548C438}"/>
+              </a:ext>
+            </a:extLst>
+          </p:cNvPr>
+          <p:cNvSpPr/>
+          <p:nvPr/>
+        </p:nvSpPr>
+        <p:spPr>
+          <a:xfrm>
+            <a:off x="9311486" y="1649464"/>
+            <a:ext cx="2616754" cy="2163406"/>
+          </a:xfrm>
+          <a:prstGeom prst="rect">
+            <a:avLst/>
+          </a:prstGeom>
+          <a:noFill/>
+          <a:ln/>
+        </p:spPr>
+        <p:txBody>
+          <a:bodyPr wrap="square" lIns="0" tIns="0" rIns="0" bIns="0" rtlCol="0" anchor="t"/>
+          <a:lstStyle/>
+          <a:p>
+            <a:pPr marL="0" indent="0" algn="l">
+              <a:lnSpc>
+                <a:spcPts val="2850"/>
+              </a:lnSpc>
+              <a:buNone/>
+            </a:pPr>
+            <a:r>
+              <a:rPr lang="en-US" sz="2000" dirty="0">
+                <a:solidFill>
+                  <a:srgbClr val="000000"/>
+                </a:solidFill>
+                <a:latin typeface="Inter" pitchFamily="34" charset="0"/>
+                <a:ea typeface="Inter" pitchFamily="34" charset="-122"/>
+                <a:cs typeface="Inter" pitchFamily="34" charset="-120"/>
+              </a:rPr>
+              <a:t>Start Prometheus with your configuration using: </a:t>
+            </a:r>
             <a:r>
               <a:rPr lang="en-US" sz="2000" b="1" dirty="0">
                 <a:solidFill>
@@ -7073,7 +7296,7 @@
                 <a:ea typeface="Inter" pitchFamily="34" charset="-122"/>
                 <a:cs typeface="Inter" pitchFamily="34" charset="-120"/>
               </a:rPr>
-              <a:t>Zabbix:</a:t>
+              <a:t>./prometheus --config.file=./prometheus.yml</a:t>
             </a:r>
             <a:r>
               <a:rPr lang="en-US" sz="2000" dirty="0">
@@ -7084,56 +7307,25 @@
                 <a:ea typeface="Inter" pitchFamily="34" charset="-122"/>
                 <a:cs typeface="Inter" pitchFamily="34" charset="-120"/>
               </a:rPr>
-              <a:t> Cross-platform, supports SNMP, WMI, ICMP for diverse monitoring.</a:t>
-            </a:r>
-            <a:endParaRPr lang="en-US" sz="2000" dirty="0"/>
-          </a:p>
-        </p:txBody>
-      </p:sp>
-      <p:sp>
-        <p:nvSpPr>
-          <p:cNvPr id="8" name="Text 4">
-            <a:extLst>
-              <a:ext uri="{FF2B5EF4-FFF2-40B4-BE49-F238E27FC236}">
-                <a16:creationId xmlns:a16="http://schemas.microsoft.com/office/drawing/2014/main" id="{B579D1EB-6217-3585-BAAE-BCB07816E27D}"/>
-              </a:ext>
-            </a:extLst>
-          </p:cNvPr>
-          <p:cNvSpPr/>
-          <p:nvPr/>
-        </p:nvSpPr>
-        <p:spPr>
-          <a:xfrm>
-            <a:off x="661492" y="4538167"/>
-            <a:ext cx="5203924" cy="604838"/>
-          </a:xfrm>
-          <a:prstGeom prst="rect">
-            <a:avLst/>
-          </a:prstGeom>
-          <a:noFill/>
-          <a:ln/>
-        </p:spPr>
-        <p:txBody>
-          <a:bodyPr wrap="square" lIns="0" tIns="0" rIns="0" bIns="0" rtlCol="0" anchor="t"/>
-          <a:lstStyle/>
-          <a:p>
-            <a:pPr marL="285739" indent="-285739">
-              <a:lnSpc>
-                <a:spcPts val="2375"/>
-              </a:lnSpc>
-              <a:buSzPct val="100000"/>
-              <a:buChar char="•"/>
-            </a:pPr>
-            <a:r>
-              <a:rPr lang="en-US" sz="2000" b="1" dirty="0">
+              <a:t>. Confirm target status at </a:t>
+            </a:r>
+            <a:r>
+              <a:rPr lang="en-US" sz="2000" u="sng" dirty="0">
                 <a:solidFill>
-                  <a:srgbClr val="000000"/>
+                  <a:srgbClr val="008ACA"/>
                 </a:solidFill>
                 <a:latin typeface="Inter" pitchFamily="34" charset="0"/>
                 <a:ea typeface="Inter" pitchFamily="34" charset="-122"/>
                 <a:cs typeface="Inter" pitchFamily="34" charset="-120"/>
+                <a:hlinkClick r:id="rId2">
+                  <a:extLst>
+                    <a:ext uri="{A12FA001-AC4F-418D-AE19-62706E023703}">
+                      <ahyp:hlinkClr xmlns:ahyp="http://schemas.microsoft.com/office/drawing/2018/hyperlinkcolor" val="tx"/>
+                    </a:ext>
+                  </a:extLst>
+                </a:hlinkClick>
               </a:rPr>
-              <a:t>Nagios:</a:t>
+              <a:t>http://localhost:9090/targets</a:t>
             </a:r>
             <a:r>
               <a:rPr lang="en-US" sz="2000" dirty="0">
@@ -7144,234 +7336,7 @@
                 <a:ea typeface="Inter" pitchFamily="34" charset="-122"/>
                 <a:cs typeface="Inter" pitchFamily="34" charset="-120"/>
               </a:rPr>
-              <a:t> Network and service monitoring with flexible alerting.</a:t>
-            </a:r>
-            <a:endParaRPr lang="en-US" sz="2000" dirty="0"/>
-          </a:p>
-        </p:txBody>
-      </p:sp>
-      <p:sp>
-        <p:nvSpPr>
-          <p:cNvPr id="9" name="Text 5">
-            <a:extLst>
-              <a:ext uri="{FF2B5EF4-FFF2-40B4-BE49-F238E27FC236}">
-                <a16:creationId xmlns:a16="http://schemas.microsoft.com/office/drawing/2014/main" id="{49B06137-5337-077F-3995-68EAF4589F84}"/>
-              </a:ext>
-            </a:extLst>
-          </p:cNvPr>
-          <p:cNvSpPr/>
-          <p:nvPr/>
-        </p:nvSpPr>
-        <p:spPr>
-          <a:xfrm>
-            <a:off x="6332935" y="2712045"/>
-            <a:ext cx="2526606" cy="295275"/>
-          </a:xfrm>
-          <a:prstGeom prst="rect">
-            <a:avLst/>
-          </a:prstGeom>
-          <a:noFill/>
-          <a:ln/>
-        </p:spPr>
-        <p:txBody>
-          <a:bodyPr wrap="none" lIns="0" tIns="0" rIns="0" bIns="0" rtlCol="0" anchor="t"/>
-          <a:lstStyle/>
-          <a:p>
-            <a:pPr>
-              <a:lnSpc>
-                <a:spcPts val="2292"/>
-              </a:lnSpc>
-            </a:pPr>
-            <a:r>
-              <a:rPr lang="en-US" sz="2000" b="1" dirty="0">
-                <a:solidFill>
-                  <a:srgbClr val="000000"/>
-                </a:solidFill>
-                <a:latin typeface="Inter Bold" pitchFamily="34" charset="0"/>
-                <a:ea typeface="Inter Bold" pitchFamily="34" charset="-122"/>
-                <a:cs typeface="Inter Bold" pitchFamily="34" charset="-120"/>
-              </a:rPr>
-              <a:t>Commercial Solutions</a:t>
-            </a:r>
-            <a:endParaRPr lang="en-US" sz="2000" dirty="0"/>
-          </a:p>
-        </p:txBody>
-      </p:sp>
-      <p:sp>
-        <p:nvSpPr>
-          <p:cNvPr id="10" name="Text 6">
-            <a:extLst>
-              <a:ext uri="{FF2B5EF4-FFF2-40B4-BE49-F238E27FC236}">
-                <a16:creationId xmlns:a16="http://schemas.microsoft.com/office/drawing/2014/main" id="{7BBFB9C1-5095-FF28-F615-56269F71E9CD}"/>
-              </a:ext>
-            </a:extLst>
-          </p:cNvPr>
-          <p:cNvSpPr/>
-          <p:nvPr/>
-        </p:nvSpPr>
-        <p:spPr>
-          <a:xfrm>
-            <a:off x="6332935" y="3196332"/>
-            <a:ext cx="5203924" cy="604838"/>
-          </a:xfrm>
-          <a:prstGeom prst="rect">
-            <a:avLst/>
-          </a:prstGeom>
-          <a:noFill/>
-          <a:ln/>
-        </p:spPr>
-        <p:txBody>
-          <a:bodyPr wrap="square" lIns="0" tIns="0" rIns="0" bIns="0" rtlCol="0" anchor="t"/>
-          <a:lstStyle/>
-          <a:p>
-            <a:pPr marL="285739" indent="-285739">
-              <a:lnSpc>
-                <a:spcPts val="2375"/>
-              </a:lnSpc>
-              <a:buSzPct val="100000"/>
-              <a:buChar char="•"/>
-            </a:pPr>
-            <a:r>
-              <a:rPr lang="en-US" sz="2000" b="1" dirty="0">
-                <a:solidFill>
-                  <a:srgbClr val="000000"/>
-                </a:solidFill>
-                <a:latin typeface="Inter" pitchFamily="34" charset="0"/>
-                <a:ea typeface="Inter" pitchFamily="34" charset="-122"/>
-                <a:cs typeface="Inter" pitchFamily="34" charset="-120"/>
-              </a:rPr>
-              <a:t>SolarWinds:</a:t>
-            </a:r>
-            <a:r>
-              <a:rPr lang="en-US" sz="2000" dirty="0">
-                <a:solidFill>
-                  <a:srgbClr val="000000"/>
-                </a:solidFill>
-                <a:latin typeface="Inter" pitchFamily="34" charset="0"/>
-                <a:ea typeface="Inter" pitchFamily="34" charset="-122"/>
-                <a:cs typeface="Inter" pitchFamily="34" charset="-120"/>
-              </a:rPr>
-              <a:t> Comprehensive IT management with deep integration.</a:t>
-            </a:r>
-            <a:endParaRPr lang="en-US" sz="2000" dirty="0"/>
-          </a:p>
-        </p:txBody>
-      </p:sp>
-      <p:sp>
-        <p:nvSpPr>
-          <p:cNvPr id="11" name="Text 7">
-            <a:extLst>
-              <a:ext uri="{FF2B5EF4-FFF2-40B4-BE49-F238E27FC236}">
-                <a16:creationId xmlns:a16="http://schemas.microsoft.com/office/drawing/2014/main" id="{7C54477C-BC85-23A2-7D7E-71877ABF30D9}"/>
-              </a:ext>
-            </a:extLst>
-          </p:cNvPr>
-          <p:cNvSpPr/>
-          <p:nvPr/>
-        </p:nvSpPr>
-        <p:spPr>
-          <a:xfrm>
-            <a:off x="6332935" y="3867249"/>
-            <a:ext cx="5203924" cy="604838"/>
-          </a:xfrm>
-          <a:prstGeom prst="rect">
-            <a:avLst/>
-          </a:prstGeom>
-          <a:noFill/>
-          <a:ln/>
-        </p:spPr>
-        <p:txBody>
-          <a:bodyPr wrap="square" lIns="0" tIns="0" rIns="0" bIns="0" rtlCol="0" anchor="t"/>
-          <a:lstStyle/>
-          <a:p>
-            <a:pPr marL="285739" indent="-285739">
-              <a:lnSpc>
-                <a:spcPts val="2375"/>
-              </a:lnSpc>
-              <a:buSzPct val="100000"/>
-              <a:buChar char="•"/>
-            </a:pPr>
-            <a:r>
-              <a:rPr lang="en-US" sz="2000" b="1" dirty="0">
-                <a:solidFill>
-                  <a:srgbClr val="000000"/>
-                </a:solidFill>
-                <a:latin typeface="Inter" pitchFamily="34" charset="0"/>
-                <a:ea typeface="Inter" pitchFamily="34" charset="-122"/>
-                <a:cs typeface="Inter" pitchFamily="34" charset="-120"/>
-              </a:rPr>
-              <a:t>PRTG:</a:t>
-            </a:r>
-            <a:r>
-              <a:rPr lang="en-US" sz="2000" dirty="0">
-                <a:solidFill>
-                  <a:srgbClr val="000000"/>
-                </a:solidFill>
-                <a:latin typeface="Inter" pitchFamily="34" charset="0"/>
-                <a:ea typeface="Inter" pitchFamily="34" charset="-122"/>
-                <a:cs typeface="Inter" pitchFamily="34" charset="-120"/>
-              </a:rPr>
-              <a:t> All-in-one network monitoring, easy to deploy and use.</a:t>
-            </a:r>
-            <a:endParaRPr lang="en-US" sz="2000" dirty="0"/>
-          </a:p>
-        </p:txBody>
-      </p:sp>
-      <p:sp>
-        <p:nvSpPr>
-          <p:cNvPr id="12" name="Text 8">
-            <a:extLst>
-              <a:ext uri="{FF2B5EF4-FFF2-40B4-BE49-F238E27FC236}">
-                <a16:creationId xmlns:a16="http://schemas.microsoft.com/office/drawing/2014/main" id="{7964C715-043F-BB8D-1E0D-451ED45F9451}"/>
-              </a:ext>
-            </a:extLst>
-          </p:cNvPr>
-          <p:cNvSpPr/>
-          <p:nvPr/>
-        </p:nvSpPr>
-        <p:spPr>
-          <a:xfrm>
-            <a:off x="6332935" y="4538167"/>
-            <a:ext cx="5203924" cy="604838"/>
-          </a:xfrm>
-          <a:prstGeom prst="rect">
-            <a:avLst/>
-          </a:prstGeom>
-          <a:noFill/>
-          <a:ln/>
-        </p:spPr>
-        <p:txBody>
-          <a:bodyPr wrap="square" lIns="0" tIns="0" rIns="0" bIns="0" rtlCol="0" anchor="t"/>
-          <a:lstStyle/>
-          <a:p>
-            <a:pPr marL="285739" indent="-285739">
-              <a:lnSpc>
-                <a:spcPts val="2375"/>
-              </a:lnSpc>
-              <a:buSzPct val="100000"/>
-              <a:buChar char="•"/>
-            </a:pPr>
-            <a:r>
-              <a:rPr lang="en-US" sz="2000" b="1" dirty="0">
-                <a:solidFill>
-                  <a:srgbClr val="000000"/>
-                </a:solidFill>
-                <a:latin typeface="Inter" pitchFamily="34" charset="0"/>
-                <a:ea typeface="Inter" pitchFamily="34" charset="-122"/>
-                <a:cs typeface="Inter" pitchFamily="34" charset="-120"/>
-              </a:rPr>
-              <a:t>ManageEngine OpManager:</a:t>
-            </a:r>
-            <a:r>
-              <a:rPr lang="en-US" sz="2000" dirty="0">
-                <a:solidFill>
-                  <a:srgbClr val="000000"/>
-                </a:solidFill>
-                <a:latin typeface="Inter" pitchFamily="34" charset="0"/>
-                <a:ea typeface="Inter" pitchFamily="34" charset="-122"/>
-                <a:cs typeface="Inter" pitchFamily="34" charset="-120"/>
-              </a:rPr>
-              <a:t> Unified network management with AI assistance.</a:t>
+              <a:t>.</a:t>
             </a:r>
             <a:endParaRPr lang="en-US" sz="2000" dirty="0"/>
           </a:p>
@@ -7409,10 +7374,10 @@
       </p:grpSpPr>
       <p:sp>
         <p:nvSpPr>
-          <p:cNvPr id="2" name="Text 0">
+          <p:cNvPr id="2" name="Shape 1">
             <a:extLst>
               <a:ext uri="{FF2B5EF4-FFF2-40B4-BE49-F238E27FC236}">
-                <a16:creationId xmlns:a16="http://schemas.microsoft.com/office/drawing/2014/main" id="{919FB277-4E9C-260F-5D44-FBFF62030014}"/>
+                <a16:creationId xmlns:a16="http://schemas.microsoft.com/office/drawing/2014/main" id="{BE677EFE-672C-57A0-B697-2D1500683EBB}"/>
               </a:ext>
             </a:extLst>
           </p:cNvPr>
@@ -7421,45 +7386,38 @@
         </p:nvSpPr>
         <p:spPr>
           <a:xfrm>
-            <a:off x="661492" y="570905"/>
-            <a:ext cx="10869018" cy="1181298"/>
+            <a:off x="732333" y="1404835"/>
+            <a:ext cx="5363667" cy="189012"/>
           </a:xfrm>
-          <a:prstGeom prst="rect">
-            <a:avLst/>
+          <a:prstGeom prst="roundRect">
+            <a:avLst>
+              <a:gd name="adj" fmla="val 42003"/>
+            </a:avLst>
           </a:prstGeom>
-          <a:noFill/>
-          <a:ln/>
+          <a:solidFill>
+            <a:srgbClr val="CCEFFF"/>
+          </a:solidFill>
+          <a:ln w="7620">
+            <a:solidFill>
+              <a:srgbClr val="B2D5E5"/>
+            </a:solidFill>
+            <a:prstDash val="solid"/>
+          </a:ln>
         </p:spPr>
         <p:txBody>
-          <a:bodyPr wrap="square" lIns="0" tIns="0" rIns="0" bIns="0" rtlCol="0" anchor="t"/>
+          <a:bodyPr/>
           <a:lstStyle/>
           <a:p>
-            <a:pPr>
-              <a:lnSpc>
-                <a:spcPts val="4625"/>
-              </a:lnSpc>
-            </a:pPr>
-            <a:r>
-              <a:rPr lang="en-US" sz="3708" b="1" dirty="0">
-                <a:solidFill>
-                  <a:srgbClr val="000000"/>
-                </a:solidFill>
-                <a:latin typeface="Inter Bold" pitchFamily="34" charset="0"/>
-                <a:ea typeface="Inter Bold" pitchFamily="34" charset="-122"/>
-                <a:cs typeface="Inter Bold" pitchFamily="34" charset="-120"/>
-              </a:rPr>
-              <a:t>What are Metrics?</a:t>
-            </a:r>
-            <a:endParaRPr lang="en-US" sz="3708" dirty="0"/>
-          </a:p>
-        </p:txBody>
-      </p:sp>
-      <p:sp>
-        <p:nvSpPr>
-          <p:cNvPr id="3" name="Shape 1">
+            <a:endParaRPr lang="en-US" sz="2000"/>
+          </a:p>
+        </p:txBody>
+      </p:sp>
+      <p:sp>
+        <p:nvSpPr>
+          <p:cNvPr id="3" name="Text 2">
             <a:extLst>
               <a:ext uri="{FF2B5EF4-FFF2-40B4-BE49-F238E27FC236}">
-                <a16:creationId xmlns:a16="http://schemas.microsoft.com/office/drawing/2014/main" id="{8FCF7B73-71F6-929F-EAEA-1B96EA59BCA1}"/>
+                <a16:creationId xmlns:a16="http://schemas.microsoft.com/office/drawing/2014/main" id="{5DCBCEDD-546D-C6E5-9A36-3F0C7534A98A}"/>
               </a:ext>
             </a:extLst>
           </p:cNvPr>
@@ -7468,108 +7426,8 @@
         </p:nvSpPr>
         <p:spPr>
           <a:xfrm>
-            <a:off x="661492" y="2388294"/>
-            <a:ext cx="5339953" cy="101600"/>
-          </a:xfrm>
-          <a:prstGeom prst="roundRect">
-            <a:avLst>
-              <a:gd name="adj" fmla="val 78139"/>
-            </a:avLst>
-          </a:prstGeom>
-          <a:solidFill>
-            <a:srgbClr val="008ACA"/>
-          </a:solidFill>
-          <a:ln/>
-        </p:spPr>
-        <p:txBody>
-          <a:bodyPr/>
-          <a:lstStyle/>
-          <a:p>
-            <a:endParaRPr lang="en-US" sz="2000"/>
-          </a:p>
-        </p:txBody>
-      </p:sp>
-      <p:sp>
-        <p:nvSpPr>
-          <p:cNvPr id="4" name="Shape 2">
-            <a:extLst>
-              <a:ext uri="{FF2B5EF4-FFF2-40B4-BE49-F238E27FC236}">
-                <a16:creationId xmlns:a16="http://schemas.microsoft.com/office/drawing/2014/main" id="{71EFC5DD-1E40-D6A4-CBA1-740C57D22C19}"/>
-              </a:ext>
-            </a:extLst>
-          </p:cNvPr>
-          <p:cNvSpPr/>
-          <p:nvPr/>
-        </p:nvSpPr>
-        <p:spPr>
-          <a:xfrm>
-            <a:off x="3047950" y="2130227"/>
-            <a:ext cx="567035" cy="567035"/>
-          </a:xfrm>
-          <a:prstGeom prst="roundRect">
-            <a:avLst>
-              <a:gd name="adj" fmla="val 134383"/>
-            </a:avLst>
-          </a:prstGeom>
-          <a:solidFill>
-            <a:srgbClr val="008ACA"/>
-          </a:solidFill>
-          <a:ln/>
-        </p:spPr>
-        <p:txBody>
-          <a:bodyPr/>
-          <a:lstStyle/>
-          <a:p>
-            <a:endParaRPr lang="en-US" sz="2000"/>
-          </a:p>
-        </p:txBody>
-      </p:sp>
-      <p:pic>
-        <p:nvPicPr>
-          <p:cNvPr id="5" name="Image 0" descr="preencoded.png">
-            <a:extLst>
-              <a:ext uri="{FF2B5EF4-FFF2-40B4-BE49-F238E27FC236}">
-                <a16:creationId xmlns:a16="http://schemas.microsoft.com/office/drawing/2014/main" id="{1E9D26D6-7F95-A96B-CF7D-92052C706B42}"/>
-              </a:ext>
-            </a:extLst>
-          </p:cNvPr>
-          <p:cNvPicPr>
-            <a:picLocks noChangeAspect="1"/>
-          </p:cNvPicPr>
-          <p:nvPr/>
-        </p:nvPicPr>
-        <p:blipFill>
-          <a:blip r:embed="rId2"/>
-          <a:stretch>
-            <a:fillRect/>
-          </a:stretch>
-        </p:blipFill>
-        <p:spPr>
-          <a:xfrm>
-            <a:off x="3218012" y="2272010"/>
-            <a:ext cx="226814" cy="283468"/>
-          </a:xfrm>
-          <a:prstGeom prst="rect">
-            <a:avLst/>
-          </a:prstGeom>
-        </p:spPr>
-      </p:pic>
-      <p:sp>
-        <p:nvSpPr>
-          <p:cNvPr id="6" name="Text 3">
-            <a:extLst>
-              <a:ext uri="{FF2B5EF4-FFF2-40B4-BE49-F238E27FC236}">
-                <a16:creationId xmlns:a16="http://schemas.microsoft.com/office/drawing/2014/main" id="{976AEF70-F008-6980-FC65-9CBED2E81EFC}"/>
-              </a:ext>
-            </a:extLst>
-          </p:cNvPr>
-          <p:cNvSpPr/>
-          <p:nvPr/>
-        </p:nvSpPr>
-        <p:spPr>
-          <a:xfrm>
-            <a:off x="875903" y="2886174"/>
-            <a:ext cx="2786360" cy="295275"/>
+            <a:off x="921345" y="1782858"/>
+            <a:ext cx="2362696" cy="295275"/>
           </a:xfrm>
           <a:prstGeom prst="rect">
             <a:avLst/>
@@ -7595,7 +7453,7 @@
                 <a:ea typeface="Inter Bold" pitchFamily="34" charset="-122"/>
                 <a:cs typeface="Inter Bold" pitchFamily="34" charset="-120"/>
               </a:rPr>
-              <a:t>Quantitative Data Points</a:t>
+              <a:t>Create Data Source</a:t>
             </a:r>
             <a:endParaRPr lang="en-US" sz="2000" dirty="0"/>
           </a:p>
@@ -7603,10 +7461,10 @@
       </p:sp>
       <p:sp>
         <p:nvSpPr>
-          <p:cNvPr id="7" name="Text 4">
+          <p:cNvPr id="4" name="Text 3">
             <a:extLst>
               <a:ext uri="{FF2B5EF4-FFF2-40B4-BE49-F238E27FC236}">
-                <a16:creationId xmlns:a16="http://schemas.microsoft.com/office/drawing/2014/main" id="{CE84A7FD-0099-1D0B-1761-3DCEAD25C569}"/>
+                <a16:creationId xmlns:a16="http://schemas.microsoft.com/office/drawing/2014/main" id="{C1325D74-4DEB-EC7E-49A1-9597846708AE}"/>
               </a:ext>
             </a:extLst>
           </p:cNvPr>
@@ -7615,8 +7473,8 @@
         </p:nvSpPr>
         <p:spPr>
           <a:xfrm>
-            <a:off x="875903" y="3294857"/>
-            <a:ext cx="4911130" cy="604838"/>
+            <a:off x="921345" y="2191541"/>
+            <a:ext cx="4985643" cy="907257"/>
           </a:xfrm>
           <a:prstGeom prst="rect">
             <a:avLst/>
@@ -7642,7 +7500,36 @@
                 <a:ea typeface="Inter" pitchFamily="34" charset="-122"/>
                 <a:cs typeface="Inter" pitchFamily="34" charset="-120"/>
               </a:rPr>
-              <a:t>Metrics are measurable data points (e.g., CPU, RAM, latency) that reflect system status.</a:t>
+              <a:t>In Grafana, navigate to Data Sources and add a new Prometheus data source. Set the URL to </a:t>
+            </a:r>
+            <a:r>
+              <a:rPr lang="en-US" sz="2000" u="sng" dirty="0">
+                <a:solidFill>
+                  <a:srgbClr val="008ACA"/>
+                </a:solidFill>
+                <a:latin typeface="Inter" pitchFamily="34" charset="0"/>
+                <a:ea typeface="Inter" pitchFamily="34" charset="-122"/>
+                <a:cs typeface="Inter" pitchFamily="34" charset="-120"/>
+                <a:hlinkClick r:id="rId2">
+                  <a:extLst>
+                    <a:ext uri="{A12FA001-AC4F-418D-AE19-62706E023703}">
+                      <ahyp:hlinkClr xmlns:ahyp="http://schemas.microsoft.com/office/drawing/2018/hyperlinkcolor" val="tx"/>
+                    </a:ext>
+                  </a:extLst>
+                </a:hlinkClick>
+              </a:rPr>
+              <a:t>http://localhost:9090</a:t>
+            </a:r>
+            <a:r>
+              <a:rPr lang="en-US" sz="2000" dirty="0">
+                <a:solidFill>
+                  <a:srgbClr val="000000"/>
+                </a:solidFill>
+                <a:latin typeface="Inter" pitchFamily="34" charset="0"/>
+                <a:ea typeface="Inter" pitchFamily="34" charset="-122"/>
+                <a:cs typeface="Inter" pitchFamily="34" charset="-120"/>
+              </a:rPr>
+              <a:t>.</a:t>
             </a:r>
             <a:endParaRPr lang="en-US" sz="2000" dirty="0"/>
           </a:p>
@@ -7650,10 +7537,10 @@
       </p:sp>
       <p:sp>
         <p:nvSpPr>
-          <p:cNvPr id="8" name="Shape 5">
+          <p:cNvPr id="5" name="Shape 4">
             <a:extLst>
               <a:ext uri="{FF2B5EF4-FFF2-40B4-BE49-F238E27FC236}">
-                <a16:creationId xmlns:a16="http://schemas.microsoft.com/office/drawing/2014/main" id="{29379149-02C7-37EB-6963-940BF6E5B5A2}"/>
+                <a16:creationId xmlns:a16="http://schemas.microsoft.com/office/drawing/2014/main" id="{90E31F55-52E4-A843-747D-E763F497F165}"/>
               </a:ext>
             </a:extLst>
           </p:cNvPr>
@@ -7662,18 +7549,23 @@
         </p:nvSpPr>
         <p:spPr>
           <a:xfrm>
-            <a:off x="6190457" y="2388294"/>
-            <a:ext cx="5340053" cy="101600"/>
+            <a:off x="6237683" y="1121367"/>
+            <a:ext cx="5363667" cy="189012"/>
           </a:xfrm>
           <a:prstGeom prst="roundRect">
             <a:avLst>
-              <a:gd name="adj" fmla="val 78139"/>
+              <a:gd name="adj" fmla="val 42003"/>
             </a:avLst>
           </a:prstGeom>
           <a:solidFill>
-            <a:srgbClr val="008ACA"/>
+            <a:srgbClr val="CCEFFF"/>
           </a:solidFill>
-          <a:ln/>
+          <a:ln w="7620">
+            <a:solidFill>
+              <a:srgbClr val="B2D5E5"/>
+            </a:solidFill>
+            <a:prstDash val="solid"/>
+          </a:ln>
         </p:spPr>
         <p:txBody>
           <a:bodyPr/>
@@ -7685,10 +7577,10 @@
       </p:sp>
       <p:sp>
         <p:nvSpPr>
-          <p:cNvPr id="9" name="Shape 6">
+          <p:cNvPr id="6" name="Text 5">
             <a:extLst>
               <a:ext uri="{FF2B5EF4-FFF2-40B4-BE49-F238E27FC236}">
-                <a16:creationId xmlns:a16="http://schemas.microsoft.com/office/drawing/2014/main" id="{1A16639E-4259-3D9F-D9D1-73D1DA3B6FE0}"/>
+                <a16:creationId xmlns:a16="http://schemas.microsoft.com/office/drawing/2014/main" id="{6FB0A021-9BAA-C902-CF60-F0A6062D693B}"/>
               </a:ext>
             </a:extLst>
           </p:cNvPr>
@@ -7697,73 +7589,8 @@
         </p:nvSpPr>
         <p:spPr>
           <a:xfrm>
-            <a:off x="8576915" y="2130227"/>
-            <a:ext cx="567035" cy="567035"/>
-          </a:xfrm>
-          <a:prstGeom prst="roundRect">
-            <a:avLst>
-              <a:gd name="adj" fmla="val 134383"/>
-            </a:avLst>
-          </a:prstGeom>
-          <a:solidFill>
-            <a:srgbClr val="008ACA"/>
-          </a:solidFill>
-          <a:ln/>
-        </p:spPr>
-        <p:txBody>
-          <a:bodyPr/>
-          <a:lstStyle/>
-          <a:p>
-            <a:endParaRPr lang="en-US" sz="2000"/>
-          </a:p>
-        </p:txBody>
-      </p:sp>
-      <p:pic>
-        <p:nvPicPr>
-          <p:cNvPr id="10" name="Image 1" descr="preencoded.png">
-            <a:extLst>
-              <a:ext uri="{FF2B5EF4-FFF2-40B4-BE49-F238E27FC236}">
-                <a16:creationId xmlns:a16="http://schemas.microsoft.com/office/drawing/2014/main" id="{7F03293B-E622-DBA3-A855-8D4696AFD33B}"/>
-              </a:ext>
-            </a:extLst>
-          </p:cNvPr>
-          <p:cNvPicPr>
-            <a:picLocks noChangeAspect="1"/>
-          </p:cNvPicPr>
-          <p:nvPr/>
-        </p:nvPicPr>
-        <p:blipFill>
-          <a:blip r:embed="rId3"/>
-          <a:stretch>
-            <a:fillRect/>
-          </a:stretch>
-        </p:blipFill>
-        <p:spPr>
-          <a:xfrm>
-            <a:off x="8746976" y="2272010"/>
-            <a:ext cx="226814" cy="283468"/>
-          </a:xfrm>
-          <a:prstGeom prst="rect">
-            <a:avLst/>
-          </a:prstGeom>
-        </p:spPr>
-      </p:pic>
-      <p:sp>
-        <p:nvSpPr>
-          <p:cNvPr id="11" name="Text 7">
-            <a:extLst>
-              <a:ext uri="{FF2B5EF4-FFF2-40B4-BE49-F238E27FC236}">
-                <a16:creationId xmlns:a16="http://schemas.microsoft.com/office/drawing/2014/main" id="{5C93754C-C24B-E5E9-CFCB-9FBECF0A7B4D}"/>
-              </a:ext>
-            </a:extLst>
-          </p:cNvPr>
-          <p:cNvSpPr/>
-          <p:nvPr/>
-        </p:nvSpPr>
-        <p:spPr>
-          <a:xfrm>
-            <a:off x="6404869" y="2886174"/>
-            <a:ext cx="3565823" cy="295275"/>
+            <a:off x="6426696" y="1499391"/>
+            <a:ext cx="2362696" cy="295275"/>
           </a:xfrm>
           <a:prstGeom prst="rect">
             <a:avLst/>
@@ -7789,7 +7616,7 @@
                 <a:ea typeface="Inter Bold" pitchFamily="34" charset="-122"/>
                 <a:cs typeface="Inter Bold" pitchFamily="34" charset="-120"/>
               </a:rPr>
-              <a:t>Real-Time Collection &amp; Storage</a:t>
+              <a:t>Save and Test</a:t>
             </a:r>
             <a:endParaRPr lang="en-US" sz="2000" dirty="0"/>
           </a:p>
@@ -7797,10 +7624,10 @@
       </p:sp>
       <p:sp>
         <p:nvSpPr>
-          <p:cNvPr id="12" name="Text 8">
+          <p:cNvPr id="7" name="Text 6">
             <a:extLst>
               <a:ext uri="{FF2B5EF4-FFF2-40B4-BE49-F238E27FC236}">
-                <a16:creationId xmlns:a16="http://schemas.microsoft.com/office/drawing/2014/main" id="{E531E470-5447-3207-3469-A20F1D7926A3}"/>
+                <a16:creationId xmlns:a16="http://schemas.microsoft.com/office/drawing/2014/main" id="{E26C43FB-8EC7-170C-7193-4262D37C701C}"/>
               </a:ext>
             </a:extLst>
           </p:cNvPr>
@@ -7809,8 +7636,8 @@
         </p:nvSpPr>
         <p:spPr>
           <a:xfrm>
-            <a:off x="6404869" y="3294857"/>
-            <a:ext cx="4911229" cy="604838"/>
+            <a:off x="6426695" y="1908072"/>
+            <a:ext cx="4985643" cy="907257"/>
           </a:xfrm>
           <a:prstGeom prst="rect">
             <a:avLst/>
@@ -7836,7 +7663,7 @@
                 <a:ea typeface="Inter" pitchFamily="34" charset="-122"/>
                 <a:cs typeface="Inter" pitchFamily="34" charset="-120"/>
               </a:rPr>
-              <a:t>Collected continuously and stored for trend analysis and historical review.</a:t>
+              <a:t>Ensure to save and test the connection. A successful test indicates Grafana can communicate with your Prometheus instance.</a:t>
             </a:r>
             <a:endParaRPr lang="en-US" sz="2000" dirty="0"/>
           </a:p>
@@ -7844,10 +7671,10 @@
       </p:sp>
       <p:sp>
         <p:nvSpPr>
-          <p:cNvPr id="13" name="Shape 9">
+          <p:cNvPr id="8" name="Shape 7">
             <a:extLst>
               <a:ext uri="{FF2B5EF4-FFF2-40B4-BE49-F238E27FC236}">
-                <a16:creationId xmlns:a16="http://schemas.microsoft.com/office/drawing/2014/main" id="{31EC9EF3-7D00-09E9-4C3E-2C2050C69B37}"/>
+                <a16:creationId xmlns:a16="http://schemas.microsoft.com/office/drawing/2014/main" id="{54A69842-3CED-83C6-E68C-785D41BBB53F}"/>
               </a:ext>
             </a:extLst>
           </p:cNvPr>
@@ -7856,18 +7683,23 @@
         </p:nvSpPr>
         <p:spPr>
           <a:xfrm>
-            <a:off x="661492" y="4561185"/>
-            <a:ext cx="5339953" cy="101600"/>
+            <a:off x="732333" y="3712961"/>
+            <a:ext cx="5363667" cy="189012"/>
           </a:xfrm>
           <a:prstGeom prst="roundRect">
             <a:avLst>
-              <a:gd name="adj" fmla="val 78139"/>
+              <a:gd name="adj" fmla="val 42003"/>
             </a:avLst>
           </a:prstGeom>
           <a:solidFill>
-            <a:srgbClr val="008ACA"/>
+            <a:srgbClr val="CCEFFF"/>
           </a:solidFill>
-          <a:ln/>
+          <a:ln w="7620">
+            <a:solidFill>
+              <a:srgbClr val="B2D5E5"/>
+            </a:solidFill>
+            <a:prstDash val="solid"/>
+          </a:ln>
         </p:spPr>
         <p:txBody>
           <a:bodyPr/>
@@ -7879,10 +7711,10 @@
       </p:sp>
       <p:sp>
         <p:nvSpPr>
-          <p:cNvPr id="14" name="Shape 10">
+          <p:cNvPr id="9" name="Text 8">
             <a:extLst>
               <a:ext uri="{FF2B5EF4-FFF2-40B4-BE49-F238E27FC236}">
-                <a16:creationId xmlns:a16="http://schemas.microsoft.com/office/drawing/2014/main" id="{DC7584A4-BE3E-F6ED-6981-E9EE77966526}"/>
+                <a16:creationId xmlns:a16="http://schemas.microsoft.com/office/drawing/2014/main" id="{BFB5EFE4-949C-FAE6-6DAA-84E376F6460E}"/>
               </a:ext>
             </a:extLst>
           </p:cNvPr>
@@ -7891,73 +7723,8 @@
         </p:nvSpPr>
         <p:spPr>
           <a:xfrm>
-            <a:off x="3047950" y="4303118"/>
-            <a:ext cx="567035" cy="567035"/>
-          </a:xfrm>
-          <a:prstGeom prst="roundRect">
-            <a:avLst>
-              <a:gd name="adj" fmla="val 134383"/>
-            </a:avLst>
-          </a:prstGeom>
-          <a:solidFill>
-            <a:srgbClr val="008ACA"/>
-          </a:solidFill>
-          <a:ln/>
-        </p:spPr>
-        <p:txBody>
-          <a:bodyPr/>
-          <a:lstStyle/>
-          <a:p>
-            <a:endParaRPr lang="en-US" sz="2000"/>
-          </a:p>
-        </p:txBody>
-      </p:sp>
-      <p:pic>
-        <p:nvPicPr>
-          <p:cNvPr id="15" name="Image 2" descr="preencoded.png">
-            <a:extLst>
-              <a:ext uri="{FF2B5EF4-FFF2-40B4-BE49-F238E27FC236}">
-                <a16:creationId xmlns:a16="http://schemas.microsoft.com/office/drawing/2014/main" id="{3EC63C63-37C3-45A0-8B8F-23D9D1E7EF77}"/>
-              </a:ext>
-            </a:extLst>
-          </p:cNvPr>
-          <p:cNvPicPr>
-            <a:picLocks noChangeAspect="1"/>
-          </p:cNvPicPr>
-          <p:nvPr/>
-        </p:nvPicPr>
-        <p:blipFill>
-          <a:blip r:embed="rId4"/>
-          <a:stretch>
-            <a:fillRect/>
-          </a:stretch>
-        </p:blipFill>
-        <p:spPr>
-          <a:xfrm>
-            <a:off x="3218012" y="4444901"/>
-            <a:ext cx="226814" cy="283468"/>
-          </a:xfrm>
-          <a:prstGeom prst="rect">
-            <a:avLst/>
-          </a:prstGeom>
-        </p:spPr>
-      </p:pic>
-      <p:sp>
-        <p:nvSpPr>
-          <p:cNvPr id="16" name="Text 11">
-            <a:extLst>
-              <a:ext uri="{FF2B5EF4-FFF2-40B4-BE49-F238E27FC236}">
-                <a16:creationId xmlns:a16="http://schemas.microsoft.com/office/drawing/2014/main" id="{DFC41329-AC6B-F806-FEAA-2CC1667C1518}"/>
-              </a:ext>
-            </a:extLst>
-          </p:cNvPr>
-          <p:cNvSpPr/>
-          <p:nvPr/>
-        </p:nvSpPr>
-        <p:spPr>
-          <a:xfrm>
-            <a:off x="875904" y="5059065"/>
-            <a:ext cx="4258369" cy="295275"/>
+            <a:off x="921345" y="4090984"/>
+            <a:ext cx="2362696" cy="295275"/>
           </a:xfrm>
           <a:prstGeom prst="rect">
             <a:avLst/>
@@ -7983,7 +7750,7 @@
                 <a:ea typeface="Inter Bold" pitchFamily="34" charset="-122"/>
                 <a:cs typeface="Inter Bold" pitchFamily="34" charset="-120"/>
               </a:rPr>
-              <a:t>Early Warning &amp; Root Cause Analysis</a:t>
+              <a:t>Import Dashboard</a:t>
             </a:r>
             <a:endParaRPr lang="en-US" sz="2000" dirty="0"/>
           </a:p>
@@ -7991,10 +7758,10 @@
       </p:sp>
       <p:sp>
         <p:nvSpPr>
-          <p:cNvPr id="17" name="Text 12">
+          <p:cNvPr id="10" name="Text 9">
             <a:extLst>
               <a:ext uri="{FF2B5EF4-FFF2-40B4-BE49-F238E27FC236}">
-                <a16:creationId xmlns:a16="http://schemas.microsoft.com/office/drawing/2014/main" id="{DF749E27-D118-D012-EB2E-9123FE3A60DB}"/>
+                <a16:creationId xmlns:a16="http://schemas.microsoft.com/office/drawing/2014/main" id="{BB58C78C-82C2-330A-B0A3-F0F488299FDA}"/>
               </a:ext>
             </a:extLst>
           </p:cNvPr>
@@ -8003,8 +7770,8 @@
         </p:nvSpPr>
         <p:spPr>
           <a:xfrm>
-            <a:off x="875903" y="5467747"/>
-            <a:ext cx="4911130" cy="604838"/>
+            <a:off x="921345" y="4499666"/>
+            <a:ext cx="4985643" cy="907257"/>
           </a:xfrm>
           <a:prstGeom prst="rect">
             <a:avLst/>
@@ -8030,7 +7797,29 @@
                 <a:ea typeface="Inter" pitchFamily="34" charset="-122"/>
                 <a:cs typeface="Inter" pitchFamily="34" charset="-120"/>
               </a:rPr>
-              <a:t>Essential for proactive alerting and pinpointing the source of incidents.</a:t>
+              <a:t>Import the Node Exporter Server Metrics dashboard using ID </a:t>
+            </a:r>
+            <a:r>
+              <a:rPr lang="en-US" sz="2000" b="1" dirty="0">
+                <a:solidFill>
+                  <a:srgbClr val="000000"/>
+                </a:solidFill>
+                <a:latin typeface="Inter" pitchFamily="34" charset="0"/>
+                <a:ea typeface="Inter" pitchFamily="34" charset="-122"/>
+                <a:cs typeface="Inter" pitchFamily="34" charset="-120"/>
+              </a:rPr>
+              <a:t>405</a:t>
+            </a:r>
+            <a:r>
+              <a:rPr lang="en-US" sz="2000" dirty="0">
+                <a:solidFill>
+                  <a:srgbClr val="000000"/>
+                </a:solidFill>
+                <a:latin typeface="Inter" pitchFamily="34" charset="0"/>
+                <a:ea typeface="Inter" pitchFamily="34" charset="-122"/>
+                <a:cs typeface="Inter" pitchFamily="34" charset="-120"/>
+              </a:rPr>
+              <a:t>. This pre-built dashboard provides comprehensive system insights.</a:t>
             </a:r>
             <a:endParaRPr lang="en-US" sz="2000" dirty="0"/>
           </a:p>
@@ -8038,10 +7827,10 @@
       </p:sp>
       <p:sp>
         <p:nvSpPr>
-          <p:cNvPr id="18" name="Shape 13">
+          <p:cNvPr id="11" name="Shape 10">
             <a:extLst>
               <a:ext uri="{FF2B5EF4-FFF2-40B4-BE49-F238E27FC236}">
-                <a16:creationId xmlns:a16="http://schemas.microsoft.com/office/drawing/2014/main" id="{6D68331B-7637-C514-A933-F36D7ECB26B6}"/>
+                <a16:creationId xmlns:a16="http://schemas.microsoft.com/office/drawing/2014/main" id="{94543139-A544-4DF4-6DBE-0D9DDC1D30E5}"/>
               </a:ext>
             </a:extLst>
           </p:cNvPr>
@@ -8050,18 +7839,23 @@
         </p:nvSpPr>
         <p:spPr>
           <a:xfrm>
-            <a:off x="6190457" y="4561185"/>
-            <a:ext cx="5340053" cy="101600"/>
+            <a:off x="6237683" y="3429493"/>
+            <a:ext cx="5363667" cy="189012"/>
           </a:xfrm>
           <a:prstGeom prst="roundRect">
             <a:avLst>
-              <a:gd name="adj" fmla="val 78139"/>
+              <a:gd name="adj" fmla="val 42003"/>
             </a:avLst>
           </a:prstGeom>
           <a:solidFill>
-            <a:srgbClr val="008ACA"/>
+            <a:srgbClr val="CCEFFF"/>
           </a:solidFill>
-          <a:ln/>
+          <a:ln w="7620">
+            <a:solidFill>
+              <a:srgbClr val="B2D5E5"/>
+            </a:solidFill>
+            <a:prstDash val="solid"/>
+          </a:ln>
         </p:spPr>
         <p:txBody>
           <a:bodyPr/>
@@ -8073,10 +7867,10 @@
       </p:sp>
       <p:sp>
         <p:nvSpPr>
-          <p:cNvPr id="19" name="Shape 14">
+          <p:cNvPr id="12" name="Text 11">
             <a:extLst>
               <a:ext uri="{FF2B5EF4-FFF2-40B4-BE49-F238E27FC236}">
-                <a16:creationId xmlns:a16="http://schemas.microsoft.com/office/drawing/2014/main" id="{2CB51E73-A04B-DA56-565E-47A26CCEB9A1}"/>
+                <a16:creationId xmlns:a16="http://schemas.microsoft.com/office/drawing/2014/main" id="{B80E15E2-BFB2-B77E-BCDC-E25A9050AC03}"/>
               </a:ext>
             </a:extLst>
           </p:cNvPr>
@@ -8085,73 +7879,8 @@
         </p:nvSpPr>
         <p:spPr>
           <a:xfrm>
-            <a:off x="8576915" y="4303118"/>
-            <a:ext cx="567035" cy="567035"/>
-          </a:xfrm>
-          <a:prstGeom prst="roundRect">
-            <a:avLst>
-              <a:gd name="adj" fmla="val 134383"/>
-            </a:avLst>
-          </a:prstGeom>
-          <a:solidFill>
-            <a:srgbClr val="008ACA"/>
-          </a:solidFill>
-          <a:ln/>
-        </p:spPr>
-        <p:txBody>
-          <a:bodyPr/>
-          <a:lstStyle/>
-          <a:p>
-            <a:endParaRPr lang="en-US" sz="2000"/>
-          </a:p>
-        </p:txBody>
-      </p:sp>
-      <p:pic>
-        <p:nvPicPr>
-          <p:cNvPr id="20" name="Image 3" descr="preencoded.png">
-            <a:extLst>
-              <a:ext uri="{FF2B5EF4-FFF2-40B4-BE49-F238E27FC236}">
-                <a16:creationId xmlns:a16="http://schemas.microsoft.com/office/drawing/2014/main" id="{91E9C5C0-ED72-0612-7708-453EC1D63681}"/>
-              </a:ext>
-            </a:extLst>
-          </p:cNvPr>
-          <p:cNvPicPr>
-            <a:picLocks noChangeAspect="1"/>
-          </p:cNvPicPr>
-          <p:nvPr/>
-        </p:nvPicPr>
-        <p:blipFill>
-          <a:blip r:embed="rId5"/>
-          <a:stretch>
-            <a:fillRect/>
-          </a:stretch>
-        </p:blipFill>
-        <p:spPr>
-          <a:xfrm>
-            <a:off x="8746976" y="4444901"/>
-            <a:ext cx="226814" cy="283468"/>
-          </a:xfrm>
-          <a:prstGeom prst="rect">
-            <a:avLst/>
-          </a:prstGeom>
-        </p:spPr>
-      </p:pic>
-      <p:sp>
-        <p:nvSpPr>
-          <p:cNvPr id="21" name="Text 15">
-            <a:extLst>
-              <a:ext uri="{FF2B5EF4-FFF2-40B4-BE49-F238E27FC236}">
-                <a16:creationId xmlns:a16="http://schemas.microsoft.com/office/drawing/2014/main" id="{B812AD01-90F7-4E2B-C330-BCD80AF2B292}"/>
-              </a:ext>
-            </a:extLst>
-          </p:cNvPr>
-          <p:cNvSpPr/>
-          <p:nvPr/>
-        </p:nvSpPr>
-        <p:spPr>
-          <a:xfrm>
-            <a:off x="6404869" y="5059065"/>
-            <a:ext cx="2362696" cy="295275"/>
+            <a:off x="6426695" y="3807517"/>
+            <a:ext cx="2679502" cy="295275"/>
           </a:xfrm>
           <a:prstGeom prst="rect">
             <a:avLst/>
@@ -8177,7 +7906,7 @@
                 <a:ea typeface="Inter Bold" pitchFamily="34" charset="-122"/>
                 <a:cs typeface="Inter Bold" pitchFamily="34" charset="-120"/>
               </a:rPr>
-              <a:t>Key Examples</a:t>
+              <a:t>Customize and Monitor</a:t>
             </a:r>
             <a:endParaRPr lang="en-US" sz="2000" dirty="0"/>
           </a:p>
@@ -8185,10 +7914,10 @@
       </p:sp>
       <p:sp>
         <p:nvSpPr>
-          <p:cNvPr id="22" name="Text 16">
+          <p:cNvPr id="13" name="Text 12">
             <a:extLst>
               <a:ext uri="{FF2B5EF4-FFF2-40B4-BE49-F238E27FC236}">
-                <a16:creationId xmlns:a16="http://schemas.microsoft.com/office/drawing/2014/main" id="{2E1E82BE-B526-E737-8F0A-0608A9EC6748}"/>
+                <a16:creationId xmlns:a16="http://schemas.microsoft.com/office/drawing/2014/main" id="{F36A4BA8-AA97-1D1A-1301-C6DD928F294E}"/>
               </a:ext>
             </a:extLst>
           </p:cNvPr>
@@ -8197,8 +7926,8 @@
         </p:nvSpPr>
         <p:spPr>
           <a:xfrm>
-            <a:off x="6404869" y="5467747"/>
-            <a:ext cx="4911229" cy="604838"/>
+            <a:off x="6426695" y="4216198"/>
+            <a:ext cx="4985643" cy="907257"/>
           </a:xfrm>
           <a:prstGeom prst="rect">
             <a:avLst/>
@@ -8224,16 +7953,69 @@
                 <a:ea typeface="Inter" pitchFamily="34" charset="-122"/>
                 <a:cs typeface="Inter" pitchFamily="34" charset="-120"/>
               </a:rPr>
-              <a:t>CPU Usage (75%), response time (120ms), and disk I/O (500MB/s) provide actionable insights.</a:t>
+              <a:t>Explore and customize the dashboard to visualize your system metrics effectively, gaining deeper insights into performance.</a:t>
             </a:r>
             <a:endParaRPr lang="en-US" sz="2000" dirty="0"/>
+          </a:p>
+        </p:txBody>
+      </p:sp>
+      <p:sp>
+        <p:nvSpPr>
+          <p:cNvPr id="14" name="TextBox 13">
+            <a:extLst>
+              <a:ext uri="{FF2B5EF4-FFF2-40B4-BE49-F238E27FC236}">
+                <a16:creationId xmlns:a16="http://schemas.microsoft.com/office/drawing/2014/main" id="{9375A6EF-A60D-406B-8729-D0AE3BD2649F}"/>
+              </a:ext>
+            </a:extLst>
+          </p:cNvPr>
+          <p:cNvSpPr txBox="1"/>
+          <p:nvPr/>
+        </p:nvSpPr>
+        <p:spPr>
+          <a:xfrm>
+            <a:off x="0" y="-142876"/>
+            <a:ext cx="9272588" cy="732508"/>
+          </a:xfrm>
+          <a:prstGeom prst="rect">
+            <a:avLst/>
+          </a:prstGeom>
+          <a:noFill/>
+        </p:spPr>
+        <p:txBody>
+          <a:bodyPr wrap="square">
+            <a:spAutoFit/>
+          </a:bodyPr>
+          <a:lstStyle/>
+          <a:p>
+            <a:pPr marL="0" indent="0" algn="l">
+              <a:lnSpc>
+                <a:spcPts val="5550"/>
+              </a:lnSpc>
+              <a:buNone/>
+            </a:pPr>
+            <a:r>
+              <a:rPr lang="en-US" sz="3000" b="1" dirty="0">
+                <a:solidFill>
+                  <a:schemeClr val="bg1"/>
+                </a:solidFill>
+                <a:latin typeface="Inter Bold" pitchFamily="34" charset="0"/>
+                <a:ea typeface="Inter Bold" pitchFamily="34" charset="-122"/>
+                <a:cs typeface="Inter Bold" pitchFamily="34" charset="-120"/>
+              </a:rPr>
+              <a:t>Connecting Prometheus with Grafana</a:t>
+            </a:r>
+            <a:endParaRPr lang="en-US" sz="3000" dirty="0">
+              <a:solidFill>
+                <a:schemeClr val="bg1"/>
+              </a:solidFill>
+            </a:endParaRPr>
           </a:p>
         </p:txBody>
       </p:sp>
     </p:spTree>
     <p:extLst>
       <p:ext uri="{BB962C8B-B14F-4D97-AF65-F5344CB8AC3E}">
-        <p14:creationId xmlns:p14="http://schemas.microsoft.com/office/powerpoint/2010/main" val="1039720594"/>
+        <p14:creationId xmlns:p14="http://schemas.microsoft.com/office/powerpoint/2010/main" val="3796214826"/>
       </p:ext>
     </p:extLst>
   </p:cSld>
@@ -8248,7 +8030,13 @@
   <p:cSld>
     <p:spTree>
       <p:nvGrpSpPr>
-        <p:cNvPr id="1" name=""/>
+        <p:cNvPr id="1" name="">
+          <a:extLst>
+            <a:ext uri="{FF2B5EF4-FFF2-40B4-BE49-F238E27FC236}">
+              <a16:creationId xmlns:a16="http://schemas.microsoft.com/office/drawing/2014/main" id="{2538BA84-7FEC-BF8E-096F-0517F98E9CFA}"/>
+            </a:ext>
+          </a:extLst>
+        </p:cNvPr>
         <p:cNvGrpSpPr/>
         <p:nvPr/>
       </p:nvGrpSpPr>
@@ -8262,10 +8050,84 @@
       </p:grpSpPr>
       <p:sp>
         <p:nvSpPr>
-          <p:cNvPr id="2" name="Text 0">
+          <p:cNvPr id="14" name="TextBox 13">
             <a:extLst>
               <a:ext uri="{FF2B5EF4-FFF2-40B4-BE49-F238E27FC236}">
-                <a16:creationId xmlns:a16="http://schemas.microsoft.com/office/drawing/2014/main" id="{FCD6C62B-3566-66D4-052B-5774ACA9E62A}"/>
+                <a16:creationId xmlns:a16="http://schemas.microsoft.com/office/drawing/2014/main" id="{124473F1-2EC6-16E5-CD29-E69F66C379BC}"/>
+              </a:ext>
+            </a:extLst>
+          </p:cNvPr>
+          <p:cNvSpPr txBox="1"/>
+          <p:nvPr/>
+        </p:nvSpPr>
+        <p:spPr>
+          <a:xfrm>
+            <a:off x="0" y="0"/>
+            <a:ext cx="9272588" cy="610552"/>
+          </a:xfrm>
+          <a:prstGeom prst="rect">
+            <a:avLst/>
+          </a:prstGeom>
+          <a:noFill/>
+        </p:spPr>
+        <p:txBody>
+          <a:bodyPr wrap="square">
+            <a:spAutoFit/>
+          </a:bodyPr>
+          <a:lstStyle/>
+          <a:p>
+            <a:pPr>
+              <a:lnSpc>
+                <a:spcPts val="4208"/>
+              </a:lnSpc>
+            </a:pPr>
+            <a:r>
+              <a:rPr lang="en-US" sz="3000" b="1" dirty="0">
+                <a:solidFill>
+                  <a:schemeClr val="bg1"/>
+                </a:solidFill>
+                <a:latin typeface="Inter Bold" pitchFamily="34" charset="0"/>
+                <a:ea typeface="Inter Bold" pitchFamily="34" charset="-122"/>
+                <a:cs typeface="Inter Bold" pitchFamily="34" charset="-120"/>
+              </a:rPr>
+              <a:t>Writing Basic </a:t>
+            </a:r>
+            <a:r>
+              <a:rPr lang="en-US" sz="3000" b="1" dirty="0" err="1">
+                <a:solidFill>
+                  <a:schemeClr val="bg1"/>
+                </a:solidFill>
+                <a:latin typeface="Inter Bold" pitchFamily="34" charset="0"/>
+                <a:ea typeface="Inter Bold" pitchFamily="34" charset="-122"/>
+                <a:cs typeface="Inter Bold" pitchFamily="34" charset="-120"/>
+              </a:rPr>
+              <a:t>PromQL</a:t>
+            </a:r>
+            <a:r>
+              <a:rPr lang="en-US" sz="3000" b="1" dirty="0">
+                <a:solidFill>
+                  <a:schemeClr val="bg1"/>
+                </a:solidFill>
+                <a:latin typeface="Inter Bold" pitchFamily="34" charset="0"/>
+                <a:ea typeface="Inter Bold" pitchFamily="34" charset="-122"/>
+                <a:cs typeface="Inter Bold" pitchFamily="34" charset="-120"/>
+              </a:rPr>
+              <a:t> Queries</a:t>
+            </a:r>
+            <a:endParaRPr lang="en-US" sz="3000" dirty="0">
+              <a:solidFill>
+                <a:schemeClr val="bg1"/>
+              </a:solidFill>
+            </a:endParaRPr>
+          </a:p>
+        </p:txBody>
+      </p:sp>
+      <p:sp>
+        <p:nvSpPr>
+          <p:cNvPr id="15" name="Text 1">
+            <a:extLst>
+              <a:ext uri="{FF2B5EF4-FFF2-40B4-BE49-F238E27FC236}">
+                <a16:creationId xmlns:a16="http://schemas.microsoft.com/office/drawing/2014/main" id="{B63E5847-0B6E-9401-4ED0-244A44BA18A5}"/>
               </a:ext>
             </a:extLst>
           </p:cNvPr>
@@ -8274,8 +8136,8 @@
         </p:nvSpPr>
         <p:spPr>
           <a:xfrm>
-            <a:off x="661492" y="1086644"/>
-            <a:ext cx="10869018" cy="1181298"/>
+            <a:off x="601365" y="1421705"/>
+            <a:ext cx="9696878" cy="1810895"/>
           </a:xfrm>
           <a:prstGeom prst="rect">
             <a:avLst/>
@@ -8289,188 +8151,7 @@
           <a:p>
             <a:pPr>
               <a:lnSpc>
-                <a:spcPts val="4625"/>
-              </a:lnSpc>
-            </a:pPr>
-            <a:r>
-              <a:rPr lang="en-US" sz="3708" b="1" dirty="0">
-                <a:solidFill>
-                  <a:srgbClr val="000000"/>
-                </a:solidFill>
-                <a:latin typeface="Inter Bold" pitchFamily="34" charset="0"/>
-                <a:ea typeface="Inter Bold" pitchFamily="34" charset="-122"/>
-                <a:cs typeface="Inter Bold" pitchFamily="34" charset="-120"/>
-              </a:rPr>
-              <a:t>Common Protocols in Infrastructure Monitoring</a:t>
-            </a:r>
-            <a:endParaRPr lang="en-US" sz="3708" dirty="0"/>
-          </a:p>
-        </p:txBody>
-      </p:sp>
-      <p:sp>
-        <p:nvSpPr>
-          <p:cNvPr id="3" name="Shape 1">
-            <a:extLst>
-              <a:ext uri="{FF2B5EF4-FFF2-40B4-BE49-F238E27FC236}">
-                <a16:creationId xmlns:a16="http://schemas.microsoft.com/office/drawing/2014/main" id="{382F3C04-DD2A-05C6-50C6-6DC49EAB59E5}"/>
-              </a:ext>
-            </a:extLst>
-          </p:cNvPr>
-          <p:cNvSpPr/>
-          <p:nvPr/>
-        </p:nvSpPr>
-        <p:spPr>
-          <a:xfrm>
-            <a:off x="661491" y="2645966"/>
-            <a:ext cx="425252" cy="425252"/>
-          </a:xfrm>
-          <a:prstGeom prst="roundRect">
-            <a:avLst>
-              <a:gd name="adj" fmla="val 18669"/>
-            </a:avLst>
-          </a:prstGeom>
-          <a:solidFill>
-            <a:srgbClr val="CCEFFF"/>
-          </a:solidFill>
-          <a:ln w="7620">
-            <a:solidFill>
-              <a:srgbClr val="B2D5E5"/>
-            </a:solidFill>
-            <a:prstDash val="solid"/>
-          </a:ln>
-        </p:spPr>
-        <p:txBody>
-          <a:bodyPr/>
-          <a:lstStyle/>
-          <a:p>
-            <a:endParaRPr lang="en-US" sz="2000"/>
-          </a:p>
-        </p:txBody>
-      </p:sp>
-      <p:sp>
-        <p:nvSpPr>
-          <p:cNvPr id="4" name="Text 2">
-            <a:extLst>
-              <a:ext uri="{FF2B5EF4-FFF2-40B4-BE49-F238E27FC236}">
-                <a16:creationId xmlns:a16="http://schemas.microsoft.com/office/drawing/2014/main" id="{657940BD-9409-80AC-D719-1501A33DE6E8}"/>
-              </a:ext>
-            </a:extLst>
-          </p:cNvPr>
-          <p:cNvSpPr/>
-          <p:nvPr/>
-        </p:nvSpPr>
-        <p:spPr>
-          <a:xfrm>
-            <a:off x="732383" y="2681387"/>
-            <a:ext cx="283468" cy="354409"/>
-          </a:xfrm>
-          <a:prstGeom prst="rect">
-            <a:avLst/>
-          </a:prstGeom>
-          <a:noFill/>
-          <a:ln/>
-        </p:spPr>
-        <p:txBody>
-          <a:bodyPr wrap="none" lIns="0" tIns="0" rIns="0" bIns="0" rtlCol="0" anchor="t"/>
-          <a:lstStyle/>
-          <a:p>
-            <a:pPr algn="ctr">
-              <a:lnSpc>
-                <a:spcPts val="2208"/>
-              </a:lnSpc>
-            </a:pPr>
-            <a:r>
-              <a:rPr lang="en-US" sz="2000" b="1" dirty="0">
-                <a:solidFill>
-                  <a:srgbClr val="000000"/>
-                </a:solidFill>
-                <a:latin typeface="Inter Bold" pitchFamily="34" charset="0"/>
-                <a:ea typeface="Inter Bold" pitchFamily="34" charset="-122"/>
-                <a:cs typeface="Inter Bold" pitchFamily="34" charset="-120"/>
-              </a:rPr>
-              <a:t>1</a:t>
-            </a:r>
-            <a:endParaRPr lang="en-US" sz="2000" dirty="0"/>
-          </a:p>
-        </p:txBody>
-      </p:sp>
-      <p:sp>
-        <p:nvSpPr>
-          <p:cNvPr id="5" name="Text 3">
-            <a:extLst>
-              <a:ext uri="{FF2B5EF4-FFF2-40B4-BE49-F238E27FC236}">
-                <a16:creationId xmlns:a16="http://schemas.microsoft.com/office/drawing/2014/main" id="{66E54932-87DA-3B55-4CF5-F3CE021B989B}"/>
-              </a:ext>
-            </a:extLst>
-          </p:cNvPr>
-          <p:cNvSpPr/>
-          <p:nvPr/>
-        </p:nvSpPr>
-        <p:spPr>
-          <a:xfrm>
-            <a:off x="1275755" y="2710855"/>
-            <a:ext cx="4702076" cy="590550"/>
-          </a:xfrm>
-          <a:prstGeom prst="rect">
-            <a:avLst/>
-          </a:prstGeom>
-          <a:noFill/>
-          <a:ln/>
-        </p:spPr>
-        <p:txBody>
-          <a:bodyPr wrap="square" lIns="0" tIns="0" rIns="0" bIns="0" rtlCol="0" anchor="t"/>
-          <a:lstStyle/>
-          <a:p>
-            <a:pPr>
-              <a:lnSpc>
-                <a:spcPts val="2292"/>
-              </a:lnSpc>
-            </a:pPr>
-            <a:r>
-              <a:rPr lang="en-US" sz="2000" b="1" dirty="0">
-                <a:solidFill>
-                  <a:srgbClr val="000000"/>
-                </a:solidFill>
-                <a:latin typeface="Inter Bold" pitchFamily="34" charset="0"/>
-                <a:ea typeface="Inter Bold" pitchFamily="34" charset="-122"/>
-                <a:cs typeface="Inter Bold" pitchFamily="34" charset="-120"/>
-              </a:rPr>
-              <a:t>SNMP (Simple Network Management Protocol)</a:t>
-            </a:r>
-            <a:endParaRPr lang="en-US" sz="2000" dirty="0"/>
-          </a:p>
-        </p:txBody>
-      </p:sp>
-      <p:sp>
-        <p:nvSpPr>
-          <p:cNvPr id="6" name="Text 4">
-            <a:extLst>
-              <a:ext uri="{FF2B5EF4-FFF2-40B4-BE49-F238E27FC236}">
-                <a16:creationId xmlns:a16="http://schemas.microsoft.com/office/drawing/2014/main" id="{D5FAA132-E88B-B1AB-FBC6-E3041E1B91E9}"/>
-              </a:ext>
-            </a:extLst>
-          </p:cNvPr>
-          <p:cNvSpPr/>
-          <p:nvPr/>
-        </p:nvSpPr>
-        <p:spPr>
-          <a:xfrm>
-            <a:off x="1275755" y="3414812"/>
-            <a:ext cx="4702076" cy="604838"/>
-          </a:xfrm>
-          <a:prstGeom prst="rect">
-            <a:avLst/>
-          </a:prstGeom>
-          <a:noFill/>
-          <a:ln/>
-        </p:spPr>
-        <p:txBody>
-          <a:bodyPr wrap="square" lIns="0" tIns="0" rIns="0" bIns="0" rtlCol="0" anchor="t"/>
-          <a:lstStyle/>
-          <a:p>
-            <a:pPr>
-              <a:lnSpc>
-                <a:spcPts val="2375"/>
+                <a:spcPts val="2125"/>
               </a:lnSpc>
             </a:pPr>
             <a:r>
@@ -8482,7 +8163,7 @@
                 <a:ea typeface="Inter" pitchFamily="34" charset="-122"/>
                 <a:cs typeface="Inter" pitchFamily="34" charset="-120"/>
               </a:rPr>
-              <a:t>Used for collecting data from network devices like routers, switches, and servers.</a:t>
+              <a:t>PromQL is Prometheus's powerful query language for time-series data. It allows for flexible data retrieval and analysis.</a:t>
             </a:r>
             <a:endParaRPr lang="en-US" sz="2000" dirty="0"/>
           </a:p>
@@ -8490,10 +8171,10 @@
       </p:sp>
       <p:sp>
         <p:nvSpPr>
-          <p:cNvPr id="7" name="Shape 5">
+          <p:cNvPr id="16" name="Text 2">
             <a:extLst>
               <a:ext uri="{FF2B5EF4-FFF2-40B4-BE49-F238E27FC236}">
-                <a16:creationId xmlns:a16="http://schemas.microsoft.com/office/drawing/2014/main" id="{B43A5BAF-AE77-728D-3A9D-81A9BD758D53}"/>
+                <a16:creationId xmlns:a16="http://schemas.microsoft.com/office/drawing/2014/main" id="{5D96775E-4684-40B1-DA4B-E5DD02059583}"/>
               </a:ext>
             </a:extLst>
           </p:cNvPr>
@@ -8502,48 +8183,8 @@
         </p:nvSpPr>
         <p:spPr>
           <a:xfrm>
-            <a:off x="6214070" y="2645966"/>
-            <a:ext cx="425252" cy="425252"/>
-          </a:xfrm>
-          <a:prstGeom prst="roundRect">
-            <a:avLst>
-              <a:gd name="adj" fmla="val 18669"/>
-            </a:avLst>
-          </a:prstGeom>
-          <a:solidFill>
-            <a:srgbClr val="CCEFFF"/>
-          </a:solidFill>
-          <a:ln w="7620">
-            <a:solidFill>
-              <a:srgbClr val="B2D5E5"/>
-            </a:solidFill>
-            <a:prstDash val="solid"/>
-          </a:ln>
-        </p:spPr>
-        <p:txBody>
-          <a:bodyPr/>
-          <a:lstStyle/>
-          <a:p>
-            <a:endParaRPr lang="en-US" sz="2000"/>
-          </a:p>
-        </p:txBody>
-      </p:sp>
-      <p:sp>
-        <p:nvSpPr>
-          <p:cNvPr id="8" name="Text 6">
-            <a:extLst>
-              <a:ext uri="{FF2B5EF4-FFF2-40B4-BE49-F238E27FC236}">
-                <a16:creationId xmlns:a16="http://schemas.microsoft.com/office/drawing/2014/main" id="{3B20B7B6-0F0F-7C0D-D81D-9E97669A9624}"/>
-              </a:ext>
-            </a:extLst>
-          </p:cNvPr>
-          <p:cNvSpPr/>
-          <p:nvPr/>
-        </p:nvSpPr>
-        <p:spPr>
-          <a:xfrm>
-            <a:off x="6284963" y="2681387"/>
-            <a:ext cx="283468" cy="354409"/>
+            <a:off x="601365" y="2126158"/>
+            <a:ext cx="9696878" cy="905448"/>
           </a:xfrm>
           <a:prstGeom prst="rect">
             <a:avLst/>
@@ -8555,104 +8196,12 @@
           <a:bodyPr wrap="none" lIns="0" tIns="0" rIns="0" bIns="0" rtlCol="0" anchor="t"/>
           <a:lstStyle/>
           <a:p>
-            <a:pPr algn="ctr">
+            <a:pPr marL="285739" indent="-285739">
               <a:lnSpc>
-                <a:spcPts val="2208"/>
+                <a:spcPts val="2125"/>
               </a:lnSpc>
-            </a:pPr>
-            <a:r>
-              <a:rPr lang="en-US" sz="2000" b="1" dirty="0">
-                <a:solidFill>
-                  <a:srgbClr val="000000"/>
-                </a:solidFill>
-                <a:latin typeface="Inter Bold" pitchFamily="34" charset="0"/>
-                <a:ea typeface="Inter Bold" pitchFamily="34" charset="-122"/>
-                <a:cs typeface="Inter Bold" pitchFamily="34" charset="-120"/>
-              </a:rPr>
-              <a:t>2</a:t>
-            </a:r>
-            <a:endParaRPr lang="en-US" sz="2000" dirty="0"/>
-          </a:p>
-        </p:txBody>
-      </p:sp>
-      <p:sp>
-        <p:nvSpPr>
-          <p:cNvPr id="9" name="Text 7">
-            <a:extLst>
-              <a:ext uri="{FF2B5EF4-FFF2-40B4-BE49-F238E27FC236}">
-                <a16:creationId xmlns:a16="http://schemas.microsoft.com/office/drawing/2014/main" id="{F1700B7C-D3BD-B882-161E-4DF450F1026D}"/>
-              </a:ext>
-            </a:extLst>
-          </p:cNvPr>
-          <p:cNvSpPr/>
-          <p:nvPr/>
-        </p:nvSpPr>
-        <p:spPr>
-          <a:xfrm>
-            <a:off x="6828333" y="2710855"/>
-            <a:ext cx="4702175" cy="590550"/>
-          </a:xfrm>
-          <a:prstGeom prst="rect">
-            <a:avLst/>
-          </a:prstGeom>
-          <a:noFill/>
-          <a:ln/>
-        </p:spPr>
-        <p:txBody>
-          <a:bodyPr wrap="square" lIns="0" tIns="0" rIns="0" bIns="0" rtlCol="0" anchor="t"/>
-          <a:lstStyle/>
-          <a:p>
-            <a:pPr>
-              <a:lnSpc>
-                <a:spcPts val="2292"/>
-              </a:lnSpc>
-            </a:pPr>
-            <a:r>
-              <a:rPr lang="en-US" sz="2000" b="1" dirty="0">
-                <a:solidFill>
-                  <a:srgbClr val="000000"/>
-                </a:solidFill>
-                <a:latin typeface="Inter Bold" pitchFamily="34" charset="0"/>
-                <a:ea typeface="Inter Bold" pitchFamily="34" charset="-122"/>
-                <a:cs typeface="Inter Bold" pitchFamily="34" charset="-120"/>
-              </a:rPr>
-              <a:t>WMI (Windows Management Instrumentation)</a:t>
-            </a:r>
-            <a:endParaRPr lang="en-US" sz="2000" dirty="0"/>
-          </a:p>
-        </p:txBody>
-      </p:sp>
-      <p:sp>
-        <p:nvSpPr>
-          <p:cNvPr id="10" name="Text 8">
-            <a:extLst>
-              <a:ext uri="{FF2B5EF4-FFF2-40B4-BE49-F238E27FC236}">
-                <a16:creationId xmlns:a16="http://schemas.microsoft.com/office/drawing/2014/main" id="{2231EB82-0034-1C81-7B9F-90C56EE56C8C}"/>
-              </a:ext>
-            </a:extLst>
-          </p:cNvPr>
-          <p:cNvSpPr/>
-          <p:nvPr/>
-        </p:nvSpPr>
-        <p:spPr>
-          <a:xfrm>
-            <a:off x="6828333" y="3414812"/>
-            <a:ext cx="4702175" cy="604838"/>
-          </a:xfrm>
-          <a:prstGeom prst="rect">
-            <a:avLst/>
-          </a:prstGeom>
-          <a:noFill/>
-          <a:ln/>
-        </p:spPr>
-        <p:txBody>
-          <a:bodyPr wrap="square" lIns="0" tIns="0" rIns="0" bIns="0" rtlCol="0" anchor="t"/>
-          <a:lstStyle/>
-          <a:p>
-            <a:pPr>
-              <a:lnSpc>
-                <a:spcPts val="2375"/>
-              </a:lnSpc>
+              <a:buSzPct val="100000"/>
+              <a:buChar char="•"/>
             </a:pPr>
             <a:r>
               <a:rPr lang="en-US" sz="2000" dirty="0">
@@ -8663,7 +8212,18 @@
                 <a:ea typeface="Inter" pitchFamily="34" charset="-122"/>
                 <a:cs typeface="Inter" pitchFamily="34" charset="-120"/>
               </a:rPr>
-              <a:t>Microsoft's framework for managing data and operations on Windows-based operating systems.</a:t>
+              <a:t>CPU Usage: </a:t>
+            </a:r>
+            <a:r>
+              <a:rPr lang="en-US" sz="2000" b="1" dirty="0">
+                <a:solidFill>
+                  <a:srgbClr val="000000"/>
+                </a:solidFill>
+                <a:latin typeface="Inter" pitchFamily="34" charset="0"/>
+                <a:ea typeface="Inter" pitchFamily="34" charset="-122"/>
+                <a:cs typeface="Inter" pitchFamily="34" charset="-120"/>
+              </a:rPr>
+              <a:t>rate(node_cpu_seconds_total[5m])</a:t>
             </a:r>
             <a:endParaRPr lang="en-US" sz="2000" dirty="0"/>
           </a:p>
@@ -8671,10 +8231,10 @@
       </p:sp>
       <p:sp>
         <p:nvSpPr>
-          <p:cNvPr id="11" name="Shape 9">
+          <p:cNvPr id="17" name="Text 3">
             <a:extLst>
               <a:ext uri="{FF2B5EF4-FFF2-40B4-BE49-F238E27FC236}">
-                <a16:creationId xmlns:a16="http://schemas.microsoft.com/office/drawing/2014/main" id="{03AFC35C-A967-D328-4125-053F845FB7E4}"/>
+                <a16:creationId xmlns:a16="http://schemas.microsoft.com/office/drawing/2014/main" id="{994FE9B7-541B-A54F-56E5-A3C8B3D6CA98}"/>
               </a:ext>
             </a:extLst>
           </p:cNvPr>
@@ -8683,48 +8243,8 @@
         </p:nvSpPr>
         <p:spPr>
           <a:xfrm>
-            <a:off x="661491" y="4397672"/>
-            <a:ext cx="425252" cy="425252"/>
-          </a:xfrm>
-          <a:prstGeom prst="roundRect">
-            <a:avLst>
-              <a:gd name="adj" fmla="val 18669"/>
-            </a:avLst>
-          </a:prstGeom>
-          <a:solidFill>
-            <a:srgbClr val="CCEFFF"/>
-          </a:solidFill>
-          <a:ln w="7620">
-            <a:solidFill>
-              <a:srgbClr val="B2D5E5"/>
-            </a:solidFill>
-            <a:prstDash val="solid"/>
-          </a:ln>
-        </p:spPr>
-        <p:txBody>
-          <a:bodyPr/>
-          <a:lstStyle/>
-          <a:p>
-            <a:endParaRPr lang="en-US" sz="2000"/>
-          </a:p>
-        </p:txBody>
-      </p:sp>
-      <p:sp>
-        <p:nvSpPr>
-          <p:cNvPr id="12" name="Text 10">
-            <a:extLst>
-              <a:ext uri="{FF2B5EF4-FFF2-40B4-BE49-F238E27FC236}">
-                <a16:creationId xmlns:a16="http://schemas.microsoft.com/office/drawing/2014/main" id="{6A20AA71-5902-684C-E0BE-F59B40B50780}"/>
-              </a:ext>
-            </a:extLst>
-          </p:cNvPr>
-          <p:cNvSpPr/>
-          <p:nvPr/>
-        </p:nvSpPr>
-        <p:spPr>
-          <a:xfrm>
-            <a:off x="732383" y="4433095"/>
-            <a:ext cx="283468" cy="354409"/>
+            <a:off x="601365" y="2461220"/>
+            <a:ext cx="9696878" cy="905448"/>
           </a:xfrm>
           <a:prstGeom prst="rect">
             <a:avLst/>
@@ -8736,104 +8256,12 @@
           <a:bodyPr wrap="none" lIns="0" tIns="0" rIns="0" bIns="0" rtlCol="0" anchor="t"/>
           <a:lstStyle/>
           <a:p>
-            <a:pPr algn="ctr">
+            <a:pPr marL="285739" indent="-285739">
               <a:lnSpc>
-                <a:spcPts val="2208"/>
+                <a:spcPts val="2125"/>
               </a:lnSpc>
-            </a:pPr>
-            <a:r>
-              <a:rPr lang="en-US" sz="2000" b="1" dirty="0">
-                <a:solidFill>
-                  <a:srgbClr val="000000"/>
-                </a:solidFill>
-                <a:latin typeface="Inter Bold" pitchFamily="34" charset="0"/>
-                <a:ea typeface="Inter Bold" pitchFamily="34" charset="-122"/>
-                <a:cs typeface="Inter Bold" pitchFamily="34" charset="-120"/>
-              </a:rPr>
-              <a:t>3</a:t>
-            </a:r>
-            <a:endParaRPr lang="en-US" sz="2000" dirty="0"/>
-          </a:p>
-        </p:txBody>
-      </p:sp>
-      <p:sp>
-        <p:nvSpPr>
-          <p:cNvPr id="13" name="Text 11">
-            <a:extLst>
-              <a:ext uri="{FF2B5EF4-FFF2-40B4-BE49-F238E27FC236}">
-                <a16:creationId xmlns:a16="http://schemas.microsoft.com/office/drawing/2014/main" id="{89299071-F661-B602-0F81-98C3CEB91AF0}"/>
-              </a:ext>
-            </a:extLst>
-          </p:cNvPr>
-          <p:cNvSpPr/>
-          <p:nvPr/>
-        </p:nvSpPr>
-        <p:spPr>
-          <a:xfrm>
-            <a:off x="1275755" y="4462562"/>
-            <a:ext cx="4702076" cy="590550"/>
-          </a:xfrm>
-          <a:prstGeom prst="rect">
-            <a:avLst/>
-          </a:prstGeom>
-          <a:noFill/>
-          <a:ln/>
-        </p:spPr>
-        <p:txBody>
-          <a:bodyPr wrap="square" lIns="0" tIns="0" rIns="0" bIns="0" rtlCol="0" anchor="t"/>
-          <a:lstStyle/>
-          <a:p>
-            <a:pPr>
-              <a:lnSpc>
-                <a:spcPts val="2292"/>
-              </a:lnSpc>
-            </a:pPr>
-            <a:r>
-              <a:rPr lang="en-US" sz="2000" b="1" dirty="0">
-                <a:solidFill>
-                  <a:srgbClr val="000000"/>
-                </a:solidFill>
-                <a:latin typeface="Inter Bold" pitchFamily="34" charset="0"/>
-                <a:ea typeface="Inter Bold" pitchFamily="34" charset="-122"/>
-                <a:cs typeface="Inter Bold" pitchFamily="34" charset="-120"/>
-              </a:rPr>
-              <a:t>ICMP (Internet Control Message Protocol)</a:t>
-            </a:r>
-            <a:endParaRPr lang="en-US" sz="2000" dirty="0"/>
-          </a:p>
-        </p:txBody>
-      </p:sp>
-      <p:sp>
-        <p:nvSpPr>
-          <p:cNvPr id="14" name="Text 12">
-            <a:extLst>
-              <a:ext uri="{FF2B5EF4-FFF2-40B4-BE49-F238E27FC236}">
-                <a16:creationId xmlns:a16="http://schemas.microsoft.com/office/drawing/2014/main" id="{0D37AB4A-A50A-AAF2-C123-361B67092834}"/>
-              </a:ext>
-            </a:extLst>
-          </p:cNvPr>
-          <p:cNvSpPr/>
-          <p:nvPr/>
-        </p:nvSpPr>
-        <p:spPr>
-          <a:xfrm>
-            <a:off x="1275755" y="5166519"/>
-            <a:ext cx="4702076" cy="604838"/>
-          </a:xfrm>
-          <a:prstGeom prst="rect">
-            <a:avLst/>
-          </a:prstGeom>
-          <a:noFill/>
-          <a:ln/>
-        </p:spPr>
-        <p:txBody>
-          <a:bodyPr wrap="square" lIns="0" tIns="0" rIns="0" bIns="0" rtlCol="0" anchor="t"/>
-          <a:lstStyle/>
-          <a:p>
-            <a:pPr>
-              <a:lnSpc>
-                <a:spcPts val="2375"/>
-              </a:lnSpc>
+              <a:buSzPct val="100000"/>
+              <a:buChar char="•"/>
             </a:pPr>
             <a:r>
               <a:rPr lang="en-US" sz="2000" dirty="0">
@@ -8844,7 +8272,18 @@
                 <a:ea typeface="Inter" pitchFamily="34" charset="-122"/>
                 <a:cs typeface="Inter" pitchFamily="34" charset="-120"/>
               </a:rPr>
-              <a:t>Fundamental for network diagnostics, primarily used for checking network connectivity (e.g., ping).</a:t>
+              <a:t>Memory Usage: </a:t>
+            </a:r>
+            <a:r>
+              <a:rPr lang="en-US" sz="2000" b="1" dirty="0">
+                <a:solidFill>
+                  <a:srgbClr val="000000"/>
+                </a:solidFill>
+                <a:latin typeface="Inter" pitchFamily="34" charset="0"/>
+                <a:ea typeface="Inter" pitchFamily="34" charset="-122"/>
+                <a:cs typeface="Inter" pitchFamily="34" charset="-120"/>
+              </a:rPr>
+              <a:t>node_memory_Active_bytes</a:t>
             </a:r>
             <a:endParaRPr lang="en-US" sz="2000" dirty="0"/>
           </a:p>
@@ -8852,10 +8291,10 @@
       </p:sp>
       <p:sp>
         <p:nvSpPr>
-          <p:cNvPr id="15" name="Shape 13">
+          <p:cNvPr id="18" name="Text 4">
             <a:extLst>
               <a:ext uri="{FF2B5EF4-FFF2-40B4-BE49-F238E27FC236}">
-                <a16:creationId xmlns:a16="http://schemas.microsoft.com/office/drawing/2014/main" id="{6B56649F-CE5B-3CD9-83F8-1AB3DFA91013}"/>
+                <a16:creationId xmlns:a16="http://schemas.microsoft.com/office/drawing/2014/main" id="{FE5F9AE9-AA0B-90CC-6A84-8BD2B864F999}"/>
               </a:ext>
             </a:extLst>
           </p:cNvPr>
@@ -8864,48 +8303,8 @@
         </p:nvSpPr>
         <p:spPr>
           <a:xfrm>
-            <a:off x="6214070" y="4397672"/>
-            <a:ext cx="425252" cy="425252"/>
-          </a:xfrm>
-          <a:prstGeom prst="roundRect">
-            <a:avLst>
-              <a:gd name="adj" fmla="val 18669"/>
-            </a:avLst>
-          </a:prstGeom>
-          <a:solidFill>
-            <a:srgbClr val="CCEFFF"/>
-          </a:solidFill>
-          <a:ln w="7620">
-            <a:solidFill>
-              <a:srgbClr val="B2D5E5"/>
-            </a:solidFill>
-            <a:prstDash val="solid"/>
-          </a:ln>
-        </p:spPr>
-        <p:txBody>
-          <a:bodyPr/>
-          <a:lstStyle/>
-          <a:p>
-            <a:endParaRPr lang="en-US" sz="2000"/>
-          </a:p>
-        </p:txBody>
-      </p:sp>
-      <p:sp>
-        <p:nvSpPr>
-          <p:cNvPr id="16" name="Text 14">
-            <a:extLst>
-              <a:ext uri="{FF2B5EF4-FFF2-40B4-BE49-F238E27FC236}">
-                <a16:creationId xmlns:a16="http://schemas.microsoft.com/office/drawing/2014/main" id="{70093552-3987-18AF-1625-21B33BB8ACF8}"/>
-              </a:ext>
-            </a:extLst>
-          </p:cNvPr>
-          <p:cNvSpPr/>
-          <p:nvPr/>
-        </p:nvSpPr>
-        <p:spPr>
-          <a:xfrm>
-            <a:off x="6284963" y="4433095"/>
-            <a:ext cx="283468" cy="354409"/>
+            <a:off x="601365" y="2796282"/>
+            <a:ext cx="9696878" cy="905448"/>
           </a:xfrm>
           <a:prstGeom prst="rect">
             <a:avLst/>
@@ -8917,104 +8316,12 @@
           <a:bodyPr wrap="none" lIns="0" tIns="0" rIns="0" bIns="0" rtlCol="0" anchor="t"/>
           <a:lstStyle/>
           <a:p>
-            <a:pPr algn="ctr">
+            <a:pPr marL="285739" indent="-285739">
               <a:lnSpc>
-                <a:spcPts val="2208"/>
+                <a:spcPts val="2125"/>
               </a:lnSpc>
-            </a:pPr>
-            <a:r>
-              <a:rPr lang="en-US" sz="2000" b="1" dirty="0">
-                <a:solidFill>
-                  <a:srgbClr val="000000"/>
-                </a:solidFill>
-                <a:latin typeface="Inter Bold" pitchFamily="34" charset="0"/>
-                <a:ea typeface="Inter Bold" pitchFamily="34" charset="-122"/>
-                <a:cs typeface="Inter Bold" pitchFamily="34" charset="-120"/>
-              </a:rPr>
-              <a:t>4</a:t>
-            </a:r>
-            <a:endParaRPr lang="en-US" sz="2000" dirty="0"/>
-          </a:p>
-        </p:txBody>
-      </p:sp>
-      <p:sp>
-        <p:nvSpPr>
-          <p:cNvPr id="17" name="Text 15">
-            <a:extLst>
-              <a:ext uri="{FF2B5EF4-FFF2-40B4-BE49-F238E27FC236}">
-                <a16:creationId xmlns:a16="http://schemas.microsoft.com/office/drawing/2014/main" id="{F5078FD0-9C66-F57C-532C-E8630E385FB3}"/>
-              </a:ext>
-            </a:extLst>
-          </p:cNvPr>
-          <p:cNvSpPr/>
-          <p:nvPr/>
-        </p:nvSpPr>
-        <p:spPr>
-          <a:xfrm>
-            <a:off x="6828334" y="4462562"/>
-            <a:ext cx="4664769" cy="295275"/>
-          </a:xfrm>
-          <a:prstGeom prst="rect">
-            <a:avLst/>
-          </a:prstGeom>
-          <a:noFill/>
-          <a:ln/>
-        </p:spPr>
-        <p:txBody>
-          <a:bodyPr wrap="none" lIns="0" tIns="0" rIns="0" bIns="0" rtlCol="0" anchor="t"/>
-          <a:lstStyle/>
-          <a:p>
-            <a:pPr>
-              <a:lnSpc>
-                <a:spcPts val="2292"/>
-              </a:lnSpc>
-            </a:pPr>
-            <a:r>
-              <a:rPr lang="en-US" sz="2000" b="1" dirty="0">
-                <a:solidFill>
-                  <a:srgbClr val="000000"/>
-                </a:solidFill>
-                <a:latin typeface="Inter Bold" pitchFamily="34" charset="0"/>
-                <a:ea typeface="Inter Bold" pitchFamily="34" charset="-122"/>
-                <a:cs typeface="Inter Bold" pitchFamily="34" charset="-120"/>
-              </a:rPr>
-              <a:t>API (Application Programming Interface)</a:t>
-            </a:r>
-            <a:endParaRPr lang="en-US" sz="2000" dirty="0"/>
-          </a:p>
-        </p:txBody>
-      </p:sp>
-      <p:sp>
-        <p:nvSpPr>
-          <p:cNvPr id="18" name="Text 16">
-            <a:extLst>
-              <a:ext uri="{FF2B5EF4-FFF2-40B4-BE49-F238E27FC236}">
-                <a16:creationId xmlns:a16="http://schemas.microsoft.com/office/drawing/2014/main" id="{43AF180B-A6D9-A90C-D901-DA5D085789C5}"/>
-              </a:ext>
-            </a:extLst>
-          </p:cNvPr>
-          <p:cNvSpPr/>
-          <p:nvPr/>
-        </p:nvSpPr>
-        <p:spPr>
-          <a:xfrm>
-            <a:off x="6828333" y="4871244"/>
-            <a:ext cx="4702175" cy="604838"/>
-          </a:xfrm>
-          <a:prstGeom prst="rect">
-            <a:avLst/>
-          </a:prstGeom>
-          <a:noFill/>
-          <a:ln/>
-        </p:spPr>
-        <p:txBody>
-          <a:bodyPr wrap="square" lIns="0" tIns="0" rIns="0" bIns="0" rtlCol="0" anchor="t"/>
-          <a:lstStyle/>
-          <a:p>
-            <a:pPr>
-              <a:lnSpc>
-                <a:spcPts val="2375"/>
-              </a:lnSpc>
+              <a:buSzPct val="100000"/>
+              <a:buChar char="•"/>
             </a:pPr>
             <a:r>
               <a:rPr lang="en-US" sz="2000" dirty="0">
@@ -9025,7 +8332,65 @@
                 <a:ea typeface="Inter" pitchFamily="34" charset="-122"/>
                 <a:cs typeface="Inter" pitchFamily="34" charset="-120"/>
               </a:rPr>
-              <a:t>Enables applications and services to exchange data and integrate with monitoring systems.</a:t>
+              <a:t>Disk Usage: </a:t>
+            </a:r>
+            <a:r>
+              <a:rPr lang="en-US" sz="2000" b="1" dirty="0">
+                <a:solidFill>
+                  <a:srgbClr val="000000"/>
+                </a:solidFill>
+                <a:latin typeface="Inter" pitchFamily="34" charset="0"/>
+                <a:ea typeface="Inter" pitchFamily="34" charset="-122"/>
+                <a:cs typeface="Inter" pitchFamily="34" charset="-120"/>
+              </a:rPr>
+              <a:t>node_filesystem_avail_bytes</a:t>
+            </a:r>
+            <a:endParaRPr lang="en-US" sz="2000" dirty="0"/>
+          </a:p>
+        </p:txBody>
+      </p:sp>
+      <p:sp>
+        <p:nvSpPr>
+          <p:cNvPr id="19" name="Text 5">
+            <a:extLst>
+              <a:ext uri="{FF2B5EF4-FFF2-40B4-BE49-F238E27FC236}">
+                <a16:creationId xmlns:a16="http://schemas.microsoft.com/office/drawing/2014/main" id="{61E29D5E-6EBA-B284-16FD-4D8B6F440BD9}"/>
+              </a:ext>
+            </a:extLst>
+          </p:cNvPr>
+          <p:cNvSpPr/>
+          <p:nvPr/>
+        </p:nvSpPr>
+        <p:spPr>
+          <a:xfrm>
+            <a:off x="601365" y="3225799"/>
+            <a:ext cx="9696878" cy="1810895"/>
+          </a:xfrm>
+          <a:prstGeom prst="rect">
+            <a:avLst/>
+          </a:prstGeom>
+          <a:noFill/>
+          <a:ln/>
+        </p:spPr>
+        <p:txBody>
+          <a:bodyPr wrap="square" lIns="0" tIns="0" rIns="0" bIns="0" rtlCol="0" anchor="t"/>
+          <a:lstStyle/>
+          <a:p>
+            <a:pPr>
+              <a:lnSpc>
+                <a:spcPts val="2125"/>
+              </a:lnSpc>
+            </a:pPr>
+            <a:r>
+              <a:rPr lang="en-US" sz="2000" dirty="0">
+                <a:solidFill>
+                  <a:srgbClr val="000000"/>
+                </a:solidFill>
+                <a:latin typeface="Inter" pitchFamily="34" charset="0"/>
+                <a:ea typeface="Inter" pitchFamily="34" charset="-122"/>
+                <a:cs typeface="Inter" pitchFamily="34" charset="-120"/>
+              </a:rPr>
+              <a:t>Practice in Grafana to create custom charts, filtering and aggregating data for specific insights.</a:t>
             </a:r>
             <a:endParaRPr lang="en-US" sz="2000" dirty="0"/>
           </a:p>
@@ -9034,7 +8399,7 @@
     </p:spTree>
     <p:extLst>
       <p:ext uri="{BB962C8B-B14F-4D97-AF65-F5344CB8AC3E}">
-        <p14:creationId xmlns:p14="http://schemas.microsoft.com/office/powerpoint/2010/main" val="3908597117"/>
+        <p14:creationId xmlns:p14="http://schemas.microsoft.com/office/powerpoint/2010/main" val="3017661201"/>
       </p:ext>
     </p:extLst>
   </p:cSld>
@@ -9045,257 +8410,6 @@
 </file>
 
 <file path=ppt/slides/slide6.xml><?xml version="1.0" encoding="utf-8"?>
-<p:sld xmlns:a="http://schemas.openxmlformats.org/drawingml/2006/main" xmlns:r="http://schemas.openxmlformats.org/officeDocument/2006/relationships" xmlns:p="http://schemas.openxmlformats.org/presentationml/2006/main">
-  <p:cSld>
-    <p:spTree>
-      <p:nvGrpSpPr>
-        <p:cNvPr id="1" name=""/>
-        <p:cNvGrpSpPr/>
-        <p:nvPr/>
-      </p:nvGrpSpPr>
-      <p:grpSpPr>
-        <a:xfrm>
-          <a:off x="0" y="0"/>
-          <a:ext cx="0" cy="0"/>
-          <a:chOff x="0" y="0"/>
-          <a:chExt cx="0" cy="0"/>
-        </a:xfrm>
-      </p:grpSpPr>
-      <p:sp>
-        <p:nvSpPr>
-          <p:cNvPr id="2" name="Text 0">
-            <a:extLst>
-              <a:ext uri="{FF2B5EF4-FFF2-40B4-BE49-F238E27FC236}">
-                <a16:creationId xmlns:a16="http://schemas.microsoft.com/office/drawing/2014/main" id="{F3AC47FF-6B85-7119-3DF5-ED4C630C8943}"/>
-              </a:ext>
-            </a:extLst>
-          </p:cNvPr>
-          <p:cNvSpPr/>
-          <p:nvPr/>
-        </p:nvSpPr>
-        <p:spPr>
-          <a:xfrm>
-            <a:off x="661492" y="1425476"/>
-            <a:ext cx="6297018" cy="1181298"/>
-          </a:xfrm>
-          <a:prstGeom prst="rect">
-            <a:avLst/>
-          </a:prstGeom>
-          <a:noFill/>
-          <a:ln/>
-        </p:spPr>
-        <p:txBody>
-          <a:bodyPr wrap="square" lIns="0" tIns="0" rIns="0" bIns="0" rtlCol="0" anchor="t"/>
-          <a:lstStyle/>
-          <a:p>
-            <a:pPr>
-              <a:lnSpc>
-                <a:spcPts val="4625"/>
-              </a:lnSpc>
-            </a:pPr>
-            <a:r>
-              <a:rPr lang="en-US" sz="3708" b="1" dirty="0">
-                <a:solidFill>
-                  <a:srgbClr val="000000"/>
-                </a:solidFill>
-                <a:latin typeface="Inter Bold" pitchFamily="34" charset="0"/>
-                <a:ea typeface="Inter Bold" pitchFamily="34" charset="-122"/>
-                <a:cs typeface="Inter Bold" pitchFamily="34" charset="-120"/>
-              </a:rPr>
-              <a:t>Introduction to Prometheus + Grafana</a:t>
-            </a:r>
-            <a:endParaRPr lang="en-US" sz="3708" dirty="0"/>
-          </a:p>
-        </p:txBody>
-      </p:sp>
-      <p:sp>
-        <p:nvSpPr>
-          <p:cNvPr id="3" name="Text 1">
-            <a:extLst>
-              <a:ext uri="{FF2B5EF4-FFF2-40B4-BE49-F238E27FC236}">
-                <a16:creationId xmlns:a16="http://schemas.microsoft.com/office/drawing/2014/main" id="{D10F3BCB-F16E-0998-EDC7-E7612FA8A97C}"/>
-              </a:ext>
-            </a:extLst>
-          </p:cNvPr>
-          <p:cNvSpPr/>
-          <p:nvPr/>
-        </p:nvSpPr>
-        <p:spPr>
-          <a:xfrm>
-            <a:off x="661492" y="2890243"/>
-            <a:ext cx="6297018" cy="604838"/>
-          </a:xfrm>
-          <a:prstGeom prst="rect">
-            <a:avLst/>
-          </a:prstGeom>
-          <a:noFill/>
-          <a:ln/>
-        </p:spPr>
-        <p:txBody>
-          <a:bodyPr wrap="square" lIns="0" tIns="0" rIns="0" bIns="0" rtlCol="0" anchor="t"/>
-          <a:lstStyle/>
-          <a:p>
-            <a:pPr>
-              <a:lnSpc>
-                <a:spcPts val="2375"/>
-              </a:lnSpc>
-            </a:pPr>
-            <a:r>
-              <a:rPr lang="en-US" sz="2000" b="1" dirty="0">
-                <a:solidFill>
-                  <a:srgbClr val="000000"/>
-                </a:solidFill>
-                <a:latin typeface="Inter" pitchFamily="34" charset="0"/>
-                <a:ea typeface="Inter" pitchFamily="34" charset="-122"/>
-                <a:cs typeface="Inter" pitchFamily="34" charset="-120"/>
-              </a:rPr>
-              <a:t>Prometheus:</a:t>
-            </a:r>
-            <a:r>
-              <a:rPr lang="en-US" sz="2000" dirty="0">
-                <a:solidFill>
-                  <a:srgbClr val="000000"/>
-                </a:solidFill>
-                <a:latin typeface="Inter" pitchFamily="34" charset="0"/>
-                <a:ea typeface="Inter" pitchFamily="34" charset="-122"/>
-                <a:cs typeface="Inter" pitchFamily="34" charset="-120"/>
-              </a:rPr>
-              <a:t> A powerful open-source monitoring system that collects and stores metrics as time-series data.</a:t>
-            </a:r>
-            <a:endParaRPr lang="en-US" sz="2000" dirty="0"/>
-          </a:p>
-        </p:txBody>
-      </p:sp>
-      <p:sp>
-        <p:nvSpPr>
-          <p:cNvPr id="4" name="Text 2">
-            <a:extLst>
-              <a:ext uri="{FF2B5EF4-FFF2-40B4-BE49-F238E27FC236}">
-                <a16:creationId xmlns:a16="http://schemas.microsoft.com/office/drawing/2014/main" id="{7D28B21C-C944-4745-A9EB-8C84079EE58D}"/>
-              </a:ext>
-            </a:extLst>
-          </p:cNvPr>
-          <p:cNvSpPr/>
-          <p:nvPr/>
-        </p:nvSpPr>
-        <p:spPr>
-          <a:xfrm>
-            <a:off x="661492" y="3707706"/>
-            <a:ext cx="6297018" cy="604838"/>
-          </a:xfrm>
-          <a:prstGeom prst="rect">
-            <a:avLst/>
-          </a:prstGeom>
-          <a:noFill/>
-          <a:ln/>
-        </p:spPr>
-        <p:txBody>
-          <a:bodyPr wrap="square" lIns="0" tIns="0" rIns="0" bIns="0" rtlCol="0" anchor="t"/>
-          <a:lstStyle/>
-          <a:p>
-            <a:pPr>
-              <a:lnSpc>
-                <a:spcPts val="2375"/>
-              </a:lnSpc>
-            </a:pPr>
-            <a:r>
-              <a:rPr lang="en-US" sz="2000" b="1" dirty="0">
-                <a:solidFill>
-                  <a:srgbClr val="000000"/>
-                </a:solidFill>
-                <a:latin typeface="Inter" pitchFamily="34" charset="0"/>
-                <a:ea typeface="Inter" pitchFamily="34" charset="-122"/>
-                <a:cs typeface="Inter" pitchFamily="34" charset="-120"/>
-              </a:rPr>
-              <a:t>Grafana:</a:t>
-            </a:r>
-            <a:r>
-              <a:rPr lang="en-US" sz="2000" dirty="0">
-                <a:solidFill>
-                  <a:srgbClr val="000000"/>
-                </a:solidFill>
-                <a:latin typeface="Inter" pitchFamily="34" charset="0"/>
-                <a:ea typeface="Inter" pitchFamily="34" charset="-122"/>
-                <a:cs typeface="Inter" pitchFamily="34" charset="-120"/>
-              </a:rPr>
-              <a:t> An open-source analytics and visualization web application, allowing users to create custom dashboards for their data.</a:t>
-            </a:r>
-            <a:endParaRPr lang="en-US" sz="2000" dirty="0"/>
-          </a:p>
-        </p:txBody>
-      </p:sp>
-      <p:sp>
-        <p:nvSpPr>
-          <p:cNvPr id="5" name="Text 3">
-            <a:extLst>
-              <a:ext uri="{FF2B5EF4-FFF2-40B4-BE49-F238E27FC236}">
-                <a16:creationId xmlns:a16="http://schemas.microsoft.com/office/drawing/2014/main" id="{36FC4188-5366-25BE-8177-8E2DE3EB40F2}"/>
-              </a:ext>
-            </a:extLst>
-          </p:cNvPr>
-          <p:cNvSpPr/>
-          <p:nvPr/>
-        </p:nvSpPr>
-        <p:spPr>
-          <a:xfrm>
-            <a:off x="661492" y="4525169"/>
-            <a:ext cx="6297018" cy="907257"/>
-          </a:xfrm>
-          <a:prstGeom prst="rect">
-            <a:avLst/>
-          </a:prstGeom>
-          <a:noFill/>
-          <a:ln/>
-        </p:spPr>
-        <p:txBody>
-          <a:bodyPr wrap="square" lIns="0" tIns="0" rIns="0" bIns="0" rtlCol="0" anchor="t"/>
-          <a:lstStyle/>
-          <a:p>
-            <a:pPr>
-              <a:lnSpc>
-                <a:spcPts val="2375"/>
-              </a:lnSpc>
-            </a:pPr>
-            <a:r>
-              <a:rPr lang="en-US" sz="2000" b="1" dirty="0">
-                <a:solidFill>
-                  <a:srgbClr val="000000"/>
-                </a:solidFill>
-                <a:latin typeface="Inter" pitchFamily="34" charset="0"/>
-                <a:ea typeface="Inter" pitchFamily="34" charset="-122"/>
-                <a:cs typeface="Inter" pitchFamily="34" charset="-120"/>
-              </a:rPr>
-              <a:t>Advantages:</a:t>
-            </a:r>
-            <a:r>
-              <a:rPr lang="en-US" sz="2000" dirty="0">
-                <a:solidFill>
-                  <a:srgbClr val="000000"/>
-                </a:solidFill>
-                <a:latin typeface="Inter" pitchFamily="34" charset="0"/>
-                <a:ea typeface="Inter" pitchFamily="34" charset="-122"/>
-                <a:cs typeface="Inter" pitchFamily="34" charset="-120"/>
-              </a:rPr>
-              <a:t> Highly flexible, supported by a large community, and easy to integrate with various systems. Next, we will dive into detailed setup and usage.</a:t>
-            </a:r>
-            <a:endParaRPr lang="en-US" sz="2000" dirty="0"/>
-          </a:p>
-        </p:txBody>
-      </p:sp>
-    </p:spTree>
-    <p:extLst>
-      <p:ext uri="{BB962C8B-B14F-4D97-AF65-F5344CB8AC3E}">
-        <p14:creationId xmlns:p14="http://schemas.microsoft.com/office/powerpoint/2010/main" val="4085118465"/>
-      </p:ext>
-    </p:extLst>
-  </p:cSld>
-  <p:clrMapOvr>
-    <a:masterClrMapping/>
-  </p:clrMapOvr>
-</p:sld>
-</file>
-
-<file path=ppt/slides/slide7.xml><?xml version="1.0" encoding="utf-8"?>
 <p:sld xmlns:a="http://schemas.openxmlformats.org/drawingml/2006/main" xmlns:r="http://schemas.openxmlformats.org/officeDocument/2006/relationships" xmlns:p="http://schemas.openxmlformats.org/presentationml/2006/main">
   <p:cSld>
     <p:bg>
@@ -9897,33 +9011,6 @@
 </file>
 
 <file path=customXml/item1.xml><?xml version="1.0" encoding="utf-8"?>
-<?mso-contentType ?>
-<FormTemplates xmlns="http://schemas.microsoft.com/sharepoint/v3/contenttype/forms">
-  <Display>DocumentLibraryForm</Display>
-  <Edit>DocumentLibraryForm</Edit>
-  <New>DocumentLibraryForm</New>
-</FormTemplates>
-</file>
-
-<file path=customXml/item2.xml><?xml version="1.0" encoding="utf-8"?>
-<p:properties xmlns:p="http://schemas.microsoft.com/office/2006/metadata/properties" xmlns:xsi="http://www.w3.org/2001/XMLSchema-instance" xmlns:pc="http://schemas.microsoft.com/office/infopath/2007/PartnerControls">
-  <documentManagement>
-    <SharedWithUsers xmlns="a4a45d7d-a3f7-4fcf-a203-14d708ac532a">
-      <UserInfo>
-        <DisplayName/>
-        <AccountId xsi:nil="true"/>
-        <AccountType/>
-      </UserInfo>
-    </SharedWithUsers>
-    <TaxCatchAll xmlns="a4a45d7d-a3f7-4fcf-a203-14d708ac532a" xsi:nil="true"/>
-    <lcf76f155ced4ddcb4097134ff3c332f xmlns="f0075c56-366a-45e6-a660-fede2cf3a396">
-      <Terms xmlns="http://schemas.microsoft.com/office/infopath/2007/PartnerControls"/>
-    </lcf76f155ced4ddcb4097134ff3c332f>
-  </documentManagement>
-</p:properties>
-</file>
-
-<file path=customXml/item3.xml><?xml version="1.0" encoding="utf-8"?>
 <ct:contentTypeSchema xmlns:ct="http://schemas.microsoft.com/office/2006/metadata/contentType" xmlns:ma="http://schemas.microsoft.com/office/2006/metadata/properties/metaAttributes" ct:_="" ma:_="" ma:contentTypeName="Document" ma:contentTypeID="0x0101005AB71C875D99E04C94D4E49E0B03ECAD" ma:contentTypeVersion="18" ma:contentTypeDescription="Create a new document." ma:contentTypeScope="" ma:versionID="99d0d4738a35097d1e0d0497b0283791">
   <xsd:schema xmlns:xsd="http://www.w3.org/2001/XMLSchema" xmlns:xs="http://www.w3.org/2001/XMLSchema" xmlns:p="http://schemas.microsoft.com/office/2006/metadata/properties" xmlns:ns2="f0075c56-366a-45e6-a660-fede2cf3a396" xmlns:ns3="a4a45d7d-a3f7-4fcf-a203-14d708ac532a" targetNamespace="http://schemas.microsoft.com/office/2006/metadata/properties" ma:root="true" ma:fieldsID="fe643ef6ade33a13d29b051c2147142a" ns2:_="" ns3:_="">
     <xsd:import namespace="f0075c56-366a-45e6-a660-fede2cf3a396"/>
@@ -10172,10 +9259,48 @@
 </ct:contentTypeSchema>
 </file>
 
+<file path=customXml/item2.xml><?xml version="1.0" encoding="utf-8"?>
+<p:properties xmlns:p="http://schemas.microsoft.com/office/2006/metadata/properties" xmlns:xsi="http://www.w3.org/2001/XMLSchema-instance" xmlns:pc="http://schemas.microsoft.com/office/infopath/2007/PartnerControls">
+  <documentManagement>
+    <SharedWithUsers xmlns="a4a45d7d-a3f7-4fcf-a203-14d708ac532a">
+      <UserInfo>
+        <DisplayName/>
+        <AccountId xsi:nil="true"/>
+        <AccountType/>
+      </UserInfo>
+    </SharedWithUsers>
+    <TaxCatchAll xmlns="a4a45d7d-a3f7-4fcf-a203-14d708ac532a" xsi:nil="true"/>
+    <lcf76f155ced4ddcb4097134ff3c332f xmlns="f0075c56-366a-45e6-a660-fede2cf3a396">
+      <Terms xmlns="http://schemas.microsoft.com/office/infopath/2007/PartnerControls"/>
+    </lcf76f155ced4ddcb4097134ff3c332f>
+  </documentManagement>
+</p:properties>
+</file>
+
+<file path=customXml/item3.xml><?xml version="1.0" encoding="utf-8"?>
+<?mso-contentType ?>
+<FormTemplates xmlns="http://schemas.microsoft.com/sharepoint/v3/contenttype/forms">
+  <Display>DocumentLibraryForm</Display>
+  <Edit>DocumentLibraryForm</Edit>
+  <New>DocumentLibraryForm</New>
+</FormTemplates>
+</file>
+
 <file path=customXml/itemProps1.xml><?xml version="1.0" encoding="utf-8"?>
-<ds:datastoreItem xmlns:ds="http://schemas.openxmlformats.org/officeDocument/2006/customXml" ds:itemID="{037BA7A7-FAC3-4833-892C-85CF3738218F}">
+<ds:datastoreItem xmlns:ds="http://schemas.openxmlformats.org/officeDocument/2006/customXml" ds:itemID="{6121C921-3ACF-4678-8FC8-C68B14B44262}">
   <ds:schemaRefs>
-    <ds:schemaRef ds:uri="http://schemas.microsoft.com/sharepoint/v3/contenttype/forms"/>
+    <ds:schemaRef ds:uri="http://schemas.microsoft.com/office/2006/metadata/contentType"/>
+    <ds:schemaRef ds:uri="http://schemas.microsoft.com/office/2006/metadata/properties/metaAttributes"/>
+    <ds:schemaRef ds:uri="http://www.w3.org/2001/XMLSchema"/>
+    <ds:schemaRef ds:uri="http://schemas.microsoft.com/office/2006/metadata/properties"/>
+    <ds:schemaRef ds:uri="f0075c56-366a-45e6-a660-fede2cf3a396"/>
+    <ds:schemaRef ds:uri="a4a45d7d-a3f7-4fcf-a203-14d708ac532a"/>
+    <ds:schemaRef ds:uri="http://schemas.microsoft.com/office/2006/documentManagement/types"/>
+    <ds:schemaRef ds:uri="http://schemas.microsoft.com/office/infopath/2007/PartnerControls"/>
+    <ds:schemaRef ds:uri="http://schemas.openxmlformats.org/package/2006/metadata/core-properties"/>
+    <ds:schemaRef ds:uri="http://purl.org/dc/elements/1.1/"/>
+    <ds:schemaRef ds:uri="http://purl.org/dc/terms/"/>
+    <ds:schemaRef ds:uri="http://schemas.microsoft.com/internal/obd"/>
   </ds:schemaRefs>
 </ds:datastoreItem>
 </file>
@@ -10198,20 +9323,9 @@
 </file>
 
 <file path=customXml/itemProps3.xml><?xml version="1.0" encoding="utf-8"?>
-<ds:datastoreItem xmlns:ds="http://schemas.openxmlformats.org/officeDocument/2006/customXml" ds:itemID="{6121C921-3ACF-4678-8FC8-C68B14B44262}">
+<ds:datastoreItem xmlns:ds="http://schemas.openxmlformats.org/officeDocument/2006/customXml" ds:itemID="{037BA7A7-FAC3-4833-892C-85CF3738218F}">
   <ds:schemaRefs>
-    <ds:schemaRef ds:uri="http://schemas.microsoft.com/office/2006/metadata/contentType"/>
-    <ds:schemaRef ds:uri="http://schemas.microsoft.com/office/2006/metadata/properties/metaAttributes"/>
-    <ds:schemaRef ds:uri="http://www.w3.org/2001/XMLSchema"/>
-    <ds:schemaRef ds:uri="http://schemas.microsoft.com/office/2006/metadata/properties"/>
-    <ds:schemaRef ds:uri="f0075c56-366a-45e6-a660-fede2cf3a396"/>
-    <ds:schemaRef ds:uri="a4a45d7d-a3f7-4fcf-a203-14d708ac532a"/>
-    <ds:schemaRef ds:uri="http://schemas.microsoft.com/office/2006/documentManagement/types"/>
-    <ds:schemaRef ds:uri="http://schemas.microsoft.com/office/infopath/2007/PartnerControls"/>
-    <ds:schemaRef ds:uri="http://schemas.openxmlformats.org/package/2006/metadata/core-properties"/>
-    <ds:schemaRef ds:uri="http://purl.org/dc/elements/1.1/"/>
-    <ds:schemaRef ds:uri="http://purl.org/dc/terms/"/>
-    <ds:schemaRef ds:uri="http://schemas.microsoft.com/internal/obd"/>
+    <ds:schemaRef ds:uri="http://schemas.microsoft.com/sharepoint/v3/contenttype/forms"/>
   </ds:schemaRefs>
 </ds:datastoreItem>
 </file>
